--- a/NetworkRecommendationEngine_Capstone_LZHAO.pptx
+++ b/NetworkRecommendationEngine_Capstone_LZHAO.pptx
@@ -10,11 +10,17 @@
     <p:sldId id="260" r:id="rId4"/>
     <p:sldId id="257" r:id="rId5"/>
     <p:sldId id="259" r:id="rId6"/>
-    <p:sldId id="265" r:id="rId7"/>
-    <p:sldId id="263" r:id="rId8"/>
-    <p:sldId id="258" r:id="rId9"/>
-    <p:sldId id="262" r:id="rId10"/>
-    <p:sldId id="261" r:id="rId11"/>
+    <p:sldId id="258" r:id="rId7"/>
+    <p:sldId id="270" r:id="rId8"/>
+    <p:sldId id="271" r:id="rId9"/>
+    <p:sldId id="265" r:id="rId10"/>
+    <p:sldId id="263" r:id="rId11"/>
+    <p:sldId id="266" r:id="rId12"/>
+    <p:sldId id="267" r:id="rId13"/>
+    <p:sldId id="268" r:id="rId14"/>
+    <p:sldId id="269" r:id="rId15"/>
+    <p:sldId id="262" r:id="rId16"/>
+    <p:sldId id="261" r:id="rId17"/>
   </p:sldIdLst>
   <p:sldSz cx="12192000" cy="6858000"/>
   <p:notesSz cx="6858000" cy="9144000"/>
@@ -3517,7 +3523,7 @@
         <a:lstStyle/>
         <a:p>
           <a:r>
-            <a:rPr lang="en-US" sz="1600" dirty="0"/>
+            <a:rPr lang="en-US" sz="1800" dirty="0"/>
             <a:t>Reddit API</a:t>
           </a:r>
         </a:p>
@@ -3697,7 +3703,7 @@
         <a:lstStyle/>
         <a:p>
           <a:r>
-            <a:rPr lang="en-US" sz="1600" dirty="0"/>
+            <a:rPr lang="en-US" sz="1800" dirty="0"/>
             <a:t>Python library (PRAW)</a:t>
           </a:r>
         </a:p>
@@ -3733,7 +3739,7 @@
         <a:lstStyle/>
         <a:p>
           <a:r>
-            <a:rPr lang="en-US" sz="1600" dirty="0"/>
+            <a:rPr lang="en-US" sz="1800" dirty="0"/>
             <a:t>Data cleansing</a:t>
           </a:r>
         </a:p>
@@ -3769,7 +3775,7 @@
         <a:lstStyle/>
         <a:p>
           <a:r>
-            <a:rPr lang="en-US" sz="1600" dirty="0"/>
+            <a:rPr lang="en-US" sz="1800" dirty="0"/>
             <a:t> Storage</a:t>
           </a:r>
         </a:p>
@@ -3839,7 +3845,7 @@
         <a:p>
           <a:r>
             <a:rPr lang="en-US" sz="1600" dirty="0"/>
-            <a:t>Stop-words </a:t>
+            <a:t>Stop-word removal</a:t>
           </a:r>
         </a:p>
       </dgm:t>
@@ -3911,7 +3917,7 @@
         <a:p>
           <a:r>
             <a:rPr lang="en-US" sz="1600" dirty="0"/>
-            <a:t>Outputs top 5 based on score</a:t>
+            <a:t>Outputs top 5 based on similarity score</a:t>
           </a:r>
         </a:p>
       </dgm:t>
@@ -3983,7 +3989,7 @@
         <a:p>
           <a:r>
             <a:rPr lang="en-US" sz="1800" dirty="0"/>
-            <a:t>Sentiment analysis</a:t>
+            <a:t>Hierarchical document clustering</a:t>
           </a:r>
         </a:p>
       </dgm:t>
@@ -5288,7 +5294,7 @@
       </dsp:nvSpPr>
       <dsp:spPr>
         <a:xfrm>
-          <a:off x="5166" y="425079"/>
+          <a:off x="5166" y="294467"/>
           <a:ext cx="2349210" cy="1166400"/>
         </a:xfrm>
         <a:prstGeom prst="roundRect">
@@ -5356,7 +5362,7 @@
         </a:p>
       </dsp:txBody>
       <dsp:txXfrm>
-        <a:off x="5166" y="425079"/>
+        <a:off x="5166" y="294467"/>
         <a:ext cx="2349210" cy="777600"/>
       </dsp:txXfrm>
     </dsp:sp>
@@ -5367,8 +5373,8 @@
       </dsp:nvSpPr>
       <dsp:spPr>
         <a:xfrm>
-          <a:off x="486330" y="1202679"/>
-          <a:ext cx="2349210" cy="2089800"/>
+          <a:off x="486330" y="1072067"/>
+          <a:ext cx="2349210" cy="2351025"/>
         </a:xfrm>
         <a:prstGeom prst="roundRect">
           <a:avLst>
@@ -5410,12 +5416,12 @@
         <a:fontRef idx="minor"/>
       </dsp:style>
       <dsp:txBody>
-        <a:bodyPr spcFirstLastPara="0" vert="horz" wrap="square" lIns="113792" tIns="113792" rIns="113792" bIns="113792" numCol="1" spcCol="1270" anchor="t" anchorCtr="0">
+        <a:bodyPr spcFirstLastPara="0" vert="horz" wrap="square" lIns="128016" tIns="128016" rIns="128016" bIns="128016" numCol="1" spcCol="1270" anchor="t" anchorCtr="0">
           <a:noAutofit/>
         </a:bodyPr>
         <a:lstStyle/>
         <a:p>
-          <a:pPr marL="171450" lvl="1" indent="-171450" algn="l" defTabSz="711200">
+          <a:pPr marL="171450" lvl="1" indent="-171450" algn="l" defTabSz="800100">
             <a:lnSpc>
               <a:spcPct val="90000"/>
             </a:lnSpc>
@@ -5428,12 +5434,12 @@
             <a:buChar char="•"/>
           </a:pPr>
           <a:r>
-            <a:rPr lang="en-US" sz="1600" kern="1200" dirty="0"/>
+            <a:rPr lang="en-US" sz="1800" kern="1200" dirty="0"/>
             <a:t>Reddit API</a:t>
           </a:r>
         </a:p>
         <a:p>
-          <a:pPr marL="171450" lvl="1" indent="-171450" algn="l" defTabSz="711200">
+          <a:pPr marL="171450" lvl="1" indent="-171450" algn="l" defTabSz="800100">
             <a:lnSpc>
               <a:spcPct val="90000"/>
             </a:lnSpc>
@@ -5446,12 +5452,12 @@
             <a:buChar char="•"/>
           </a:pPr>
           <a:r>
-            <a:rPr lang="en-US" sz="1600" kern="1200" dirty="0"/>
+            <a:rPr lang="en-US" sz="1800" kern="1200" dirty="0"/>
             <a:t>Python library (PRAW)</a:t>
           </a:r>
         </a:p>
         <a:p>
-          <a:pPr marL="171450" lvl="1" indent="-171450" algn="l" defTabSz="711200">
+          <a:pPr marL="171450" lvl="1" indent="-171450" algn="l" defTabSz="800100">
             <a:lnSpc>
               <a:spcPct val="90000"/>
             </a:lnSpc>
@@ -5464,12 +5470,12 @@
             <a:buChar char="•"/>
           </a:pPr>
           <a:r>
-            <a:rPr lang="en-US" sz="1600" kern="1200" dirty="0"/>
+            <a:rPr lang="en-US" sz="1800" kern="1200" dirty="0"/>
             <a:t>Data cleansing</a:t>
           </a:r>
         </a:p>
         <a:p>
-          <a:pPr marL="171450" lvl="1" indent="-171450" algn="l" defTabSz="711200">
+          <a:pPr marL="171450" lvl="1" indent="-171450" algn="l" defTabSz="800100">
             <a:lnSpc>
               <a:spcPct val="90000"/>
             </a:lnSpc>
@@ -5482,14 +5488,14 @@
             <a:buChar char="•"/>
           </a:pPr>
           <a:r>
-            <a:rPr lang="en-US" sz="1600" kern="1200" dirty="0"/>
+            <a:rPr lang="en-US" sz="1800" kern="1200" dirty="0"/>
             <a:t> Storage</a:t>
           </a:r>
         </a:p>
       </dsp:txBody>
       <dsp:txXfrm>
-        <a:off x="547538" y="1263887"/>
-        <a:ext cx="2226794" cy="1967384"/>
+        <a:off x="555136" y="1140873"/>
+        <a:ext cx="2211598" cy="2213413"/>
       </dsp:txXfrm>
     </dsp:sp>
     <dsp:sp modelId="{479469C7-3DA6-4BC7-812A-261A683BA7F2}">
@@ -5499,7 +5505,7 @@
       </dsp:nvSpPr>
       <dsp:spPr>
         <a:xfrm>
-          <a:off x="2710509" y="521437"/>
+          <a:off x="2710509" y="390824"/>
           <a:ext cx="754999" cy="584885"/>
         </a:xfrm>
         <a:prstGeom prst="rightArrow">
@@ -5558,7 +5564,7 @@
         </a:p>
       </dsp:txBody>
       <dsp:txXfrm>
-        <a:off x="2710509" y="638414"/>
+        <a:off x="2710509" y="507801"/>
         <a:ext cx="579534" cy="350931"/>
       </dsp:txXfrm>
     </dsp:sp>
@@ -5569,7 +5575,7 @@
       </dsp:nvSpPr>
       <dsp:spPr>
         <a:xfrm>
-          <a:off x="3778905" y="425079"/>
+          <a:off x="3778905" y="294467"/>
           <a:ext cx="2349210" cy="1166400"/>
         </a:xfrm>
         <a:prstGeom prst="roundRect">
@@ -5637,7 +5643,7 @@
         </a:p>
       </dsp:txBody>
       <dsp:txXfrm>
-        <a:off x="3778905" y="425079"/>
+        <a:off x="3778905" y="294467"/>
         <a:ext cx="2349210" cy="777600"/>
       </dsp:txXfrm>
     </dsp:sp>
@@ -5648,8 +5654,8 @@
       </dsp:nvSpPr>
       <dsp:spPr>
         <a:xfrm>
-          <a:off x="4260068" y="1202679"/>
-          <a:ext cx="2349210" cy="2089800"/>
+          <a:off x="4260068" y="1072067"/>
+          <a:ext cx="2349210" cy="2351025"/>
         </a:xfrm>
         <a:prstGeom prst="roundRect">
           <a:avLst>
@@ -5746,7 +5752,7 @@
           </a:pPr>
           <a:r>
             <a:rPr lang="en-US" sz="1600" kern="1200" dirty="0"/>
-            <a:t>Stop-words </a:t>
+            <a:t>Stop-word removal</a:t>
           </a:r>
         </a:p>
         <a:p>
@@ -5782,7 +5788,7 @@
           </a:pPr>
           <a:r>
             <a:rPr lang="en-US" sz="1600" kern="1200" dirty="0"/>
-            <a:t>Outputs top 5 based on score</a:t>
+            <a:t>Outputs top 5 based on similarity score</a:t>
           </a:r>
         </a:p>
         <a:p>
@@ -5802,8 +5808,8 @@
         </a:p>
       </dsp:txBody>
       <dsp:txXfrm>
-        <a:off x="4321276" y="1263887"/>
-        <a:ext cx="2226794" cy="1967384"/>
+        <a:off x="4328874" y="1140873"/>
+        <a:ext cx="2211598" cy="2213413"/>
       </dsp:txXfrm>
     </dsp:sp>
     <dsp:sp modelId="{4F82678F-8CFE-4F28-8F2E-2C12B662FC09}">
@@ -5813,7 +5819,7 @@
       </dsp:nvSpPr>
       <dsp:spPr>
         <a:xfrm>
-          <a:off x="6484248" y="521437"/>
+          <a:off x="6484248" y="390824"/>
           <a:ext cx="754999" cy="584885"/>
         </a:xfrm>
         <a:prstGeom prst="rightArrow">
@@ -5872,7 +5878,7 @@
         </a:p>
       </dsp:txBody>
       <dsp:txXfrm>
-        <a:off x="6484248" y="638414"/>
+        <a:off x="6484248" y="507801"/>
         <a:ext cx="579534" cy="350931"/>
       </dsp:txXfrm>
     </dsp:sp>
@@ -5883,7 +5889,7 @@
       </dsp:nvSpPr>
       <dsp:spPr>
         <a:xfrm>
-          <a:off x="7552643" y="425079"/>
+          <a:off x="7552643" y="294467"/>
           <a:ext cx="2349210" cy="1166400"/>
         </a:xfrm>
         <a:prstGeom prst="roundRect">
@@ -5951,7 +5957,7 @@
         </a:p>
       </dsp:txBody>
       <dsp:txXfrm>
-        <a:off x="7552643" y="425079"/>
+        <a:off x="7552643" y="294467"/>
         <a:ext cx="2349210" cy="777600"/>
       </dsp:txXfrm>
     </dsp:sp>
@@ -5962,8 +5968,8 @@
       </dsp:nvSpPr>
       <dsp:spPr>
         <a:xfrm>
-          <a:off x="8033807" y="1202679"/>
-          <a:ext cx="2349210" cy="2089800"/>
+          <a:off x="8033807" y="1072067"/>
+          <a:ext cx="2349210" cy="2351025"/>
         </a:xfrm>
         <a:prstGeom prst="roundRect">
           <a:avLst>
@@ -6060,13 +6066,13 @@
           </a:pPr>
           <a:r>
             <a:rPr lang="en-US" sz="1800" kern="1200" dirty="0"/>
-            <a:t>Sentiment analysis</a:t>
+            <a:t>Hierarchical document clustering</a:t>
           </a:r>
         </a:p>
       </dsp:txBody>
       <dsp:txXfrm>
-        <a:off x="8095015" y="1263887"/>
-        <a:ext cx="2226794" cy="1967384"/>
+        <a:off x="8102613" y="1140873"/>
+        <a:ext cx="2211598" cy="2213413"/>
       </dsp:txXfrm>
     </dsp:sp>
   </dsp:spTree>
@@ -10016,7 +10022,7 @@
           <a:p>
             <a:fld id="{D9B72568-9BE9-4240-8782-BE67DD707306}" type="datetimeFigureOut">
               <a:rPr lang="en-US" smtClean="0"/>
-              <a:t>4/24/2018</a:t>
+              <a:t>4/25/2018</a:t>
             </a:fld>
             <a:endParaRPr lang="en-US"/>
           </a:p>
@@ -10244,7 +10250,7 @@
           <a:p>
             <a:fld id="{D9B72568-9BE9-4240-8782-BE67DD707306}" type="datetimeFigureOut">
               <a:rPr lang="en-US" smtClean="0"/>
-              <a:t>4/24/2018</a:t>
+              <a:t>4/25/2018</a:t>
             </a:fld>
             <a:endParaRPr lang="en-US"/>
           </a:p>
@@ -10424,7 +10430,7 @@
           <a:p>
             <a:fld id="{D9B72568-9BE9-4240-8782-BE67DD707306}" type="datetimeFigureOut">
               <a:rPr lang="en-US" smtClean="0"/>
-              <a:t>4/24/2018</a:t>
+              <a:t>4/25/2018</a:t>
             </a:fld>
             <a:endParaRPr lang="en-US"/>
           </a:p>
@@ -10594,7 +10600,7 @@
           <a:p>
             <a:fld id="{D9B72568-9BE9-4240-8782-BE67DD707306}" type="datetimeFigureOut">
               <a:rPr lang="en-US" smtClean="0"/>
-              <a:t>4/24/2018</a:t>
+              <a:t>4/25/2018</a:t>
             </a:fld>
             <a:endParaRPr lang="en-US"/>
           </a:p>
@@ -10848,7 +10854,7 @@
           <a:p>
             <a:fld id="{D9B72568-9BE9-4240-8782-BE67DD707306}" type="datetimeFigureOut">
               <a:rPr lang="en-US" smtClean="0"/>
-              <a:t>4/24/2018</a:t>
+              <a:t>4/25/2018</a:t>
             </a:fld>
             <a:endParaRPr lang="en-US"/>
           </a:p>
@@ -11174,7 +11180,7 @@
           <a:p>
             <a:fld id="{D9B72568-9BE9-4240-8782-BE67DD707306}" type="datetimeFigureOut">
               <a:rPr lang="en-US" smtClean="0"/>
-              <a:t>4/24/2018</a:t>
+              <a:t>4/25/2018</a:t>
             </a:fld>
             <a:endParaRPr lang="en-US"/>
           </a:p>
@@ -11625,7 +11631,7 @@
           <a:p>
             <a:fld id="{D9B72568-9BE9-4240-8782-BE67DD707306}" type="datetimeFigureOut">
               <a:rPr lang="en-US" smtClean="0"/>
-              <a:t>4/24/2018</a:t>
+              <a:t>4/25/2018</a:t>
             </a:fld>
             <a:endParaRPr lang="en-US"/>
           </a:p>
@@ -11743,7 +11749,7 @@
           <a:p>
             <a:fld id="{D9B72568-9BE9-4240-8782-BE67DD707306}" type="datetimeFigureOut">
               <a:rPr lang="en-US" smtClean="0"/>
-              <a:t>4/24/2018</a:t>
+              <a:t>4/25/2018</a:t>
             </a:fld>
             <a:endParaRPr lang="en-US"/>
           </a:p>
@@ -11838,7 +11844,7 @@
           <a:p>
             <a:fld id="{D9B72568-9BE9-4240-8782-BE67DD707306}" type="datetimeFigureOut">
               <a:rPr lang="en-US" smtClean="0"/>
-              <a:t>4/24/2018</a:t>
+              <a:t>4/25/2018</a:t>
             </a:fld>
             <a:endParaRPr lang="en-US"/>
           </a:p>
@@ -12125,7 +12131,7 @@
           <a:p>
             <a:fld id="{D9B72568-9BE9-4240-8782-BE67DD707306}" type="datetimeFigureOut">
               <a:rPr lang="en-US" smtClean="0"/>
-              <a:t>4/24/2018</a:t>
+              <a:t>4/25/2018</a:t>
             </a:fld>
             <a:endParaRPr lang="en-US"/>
           </a:p>
@@ -12447,7 +12453,7 @@
           <a:p>
             <a:fld id="{D9B72568-9BE9-4240-8782-BE67DD707306}" type="datetimeFigureOut">
               <a:rPr lang="en-US" smtClean="0"/>
-              <a:t>4/24/2018</a:t>
+              <a:t>4/25/2018</a:t>
             </a:fld>
             <a:endParaRPr lang="en-US"/>
           </a:p>
@@ -12701,7 +12707,7 @@
           <a:p>
             <a:fld id="{D9B72568-9BE9-4240-8782-BE67DD707306}" type="datetimeFigureOut">
               <a:rPr lang="en-US" smtClean="0"/>
-              <a:t>4/24/2018</a:t>
+              <a:t>4/25/2018</a:t>
             </a:fld>
             <a:endParaRPr lang="en-US"/>
           </a:p>
@@ -13289,6 +13295,1205 @@
           <p:cNvPr id="2" name="Title 1">
             <a:extLst>
               <a:ext uri="{FF2B5EF4-FFF2-40B4-BE49-F238E27FC236}">
+                <a16:creationId xmlns:a16="http://schemas.microsoft.com/office/drawing/2014/main" id="{47A45301-9AC6-4580-AEC1-3A2D0A145FA8}"/>
+              </a:ext>
+            </a:extLst>
+          </p:cNvPr>
+          <p:cNvSpPr>
+            <a:spLocks noGrp="1"/>
+          </p:cNvSpPr>
+          <p:nvPr>
+            <p:ph type="title"/>
+          </p:nvPr>
+        </p:nvSpPr>
+        <p:spPr/>
+        <p:txBody>
+          <a:bodyPr>
+            <a:normAutofit/>
+          </a:bodyPr>
+          <a:lstStyle/>
+          <a:p>
+            <a:r>
+              <a:rPr lang="en-US" sz="4000" dirty="0"/>
+              <a:t>Recommendation systems aren’t perfect</a:t>
+            </a:r>
+          </a:p>
+        </p:txBody>
+      </p:sp>
+      <p:pic>
+        <p:nvPicPr>
+          <p:cNvPr id="4" name="Picture 3">
+            <a:extLst>
+              <a:ext uri="{FF2B5EF4-FFF2-40B4-BE49-F238E27FC236}">
+                <a16:creationId xmlns:a16="http://schemas.microsoft.com/office/drawing/2014/main" id="{B5A7E024-1214-45FC-9EAB-F29D6EDC4BFE}"/>
+              </a:ext>
+            </a:extLst>
+          </p:cNvPr>
+          <p:cNvPicPr>
+            <a:picLocks noChangeAspect="1"/>
+          </p:cNvPicPr>
+          <p:nvPr/>
+        </p:nvPicPr>
+        <p:blipFill>
+          <a:blip r:embed="rId2"/>
+          <a:stretch>
+            <a:fillRect/>
+          </a:stretch>
+        </p:blipFill>
+        <p:spPr>
+          <a:xfrm>
+            <a:off x="1398350" y="2025473"/>
+            <a:ext cx="8984811" cy="4079408"/>
+          </a:xfrm>
+          <a:prstGeom prst="rect">
+            <a:avLst/>
+          </a:prstGeom>
+        </p:spPr>
+      </p:pic>
+    </p:spTree>
+    <p:extLst>
+      <p:ext uri="{BB962C8B-B14F-4D97-AF65-F5344CB8AC3E}">
+        <p14:creationId xmlns:p14="http://schemas.microsoft.com/office/powerpoint/2010/main" val="12913078"/>
+      </p:ext>
+    </p:extLst>
+  </p:cSld>
+  <p:clrMapOvr>
+    <a:masterClrMapping/>
+  </p:clrMapOvr>
+</p:sld>
+</file>
+
+<file path=ppt/slides/slide11.xml><?xml version="1.0" encoding="utf-8"?>
+<p:sld xmlns:a="http://schemas.openxmlformats.org/drawingml/2006/main" xmlns:r="http://schemas.openxmlformats.org/officeDocument/2006/relationships" xmlns:p="http://schemas.openxmlformats.org/presentationml/2006/main">
+  <p:cSld>
+    <p:spTree>
+      <p:nvGrpSpPr>
+        <p:cNvPr id="1" name=""/>
+        <p:cNvGrpSpPr/>
+        <p:nvPr/>
+      </p:nvGrpSpPr>
+      <p:grpSpPr>
+        <a:xfrm>
+          <a:off x="0" y="0"/>
+          <a:ext cx="0" cy="0"/>
+          <a:chOff x="0" y="0"/>
+          <a:chExt cx="0" cy="0"/>
+        </a:xfrm>
+      </p:grpSpPr>
+      <p:sp>
+        <p:nvSpPr>
+          <p:cNvPr id="2" name="Title 1">
+            <a:extLst>
+              <a:ext uri="{FF2B5EF4-FFF2-40B4-BE49-F238E27FC236}">
+                <a16:creationId xmlns:a16="http://schemas.microsoft.com/office/drawing/2014/main" id="{972FE4E9-2628-4B1B-8F4E-938E5AA31BF2}"/>
+              </a:ext>
+            </a:extLst>
+          </p:cNvPr>
+          <p:cNvSpPr>
+            <a:spLocks noGrp="1"/>
+          </p:cNvSpPr>
+          <p:nvPr>
+            <p:ph type="title"/>
+          </p:nvPr>
+        </p:nvSpPr>
+        <p:spPr/>
+        <p:txBody>
+          <a:bodyPr/>
+          <a:lstStyle/>
+          <a:p>
+            <a:r>
+              <a:rPr lang="en-US" dirty="0"/>
+              <a:t>Validations: Common Subreddits</a:t>
+            </a:r>
+          </a:p>
+        </p:txBody>
+      </p:sp>
+      <p:pic>
+        <p:nvPicPr>
+          <p:cNvPr id="5" name="Picture 4">
+            <a:extLst>
+              <a:ext uri="{FF2B5EF4-FFF2-40B4-BE49-F238E27FC236}">
+                <a16:creationId xmlns:a16="http://schemas.microsoft.com/office/drawing/2014/main" id="{EC7482BD-F94C-4EF4-9A2F-5E09D394ACDB}"/>
+              </a:ext>
+            </a:extLst>
+          </p:cNvPr>
+          <p:cNvPicPr>
+            <a:picLocks noChangeAspect="1"/>
+          </p:cNvPicPr>
+          <p:nvPr/>
+        </p:nvPicPr>
+        <p:blipFill>
+          <a:blip r:embed="rId2"/>
+          <a:stretch>
+            <a:fillRect/>
+          </a:stretch>
+        </p:blipFill>
+        <p:spPr>
+          <a:xfrm>
+            <a:off x="6279581" y="1925382"/>
+            <a:ext cx="1626206" cy="4566858"/>
+          </a:xfrm>
+          <a:prstGeom prst="rect">
+            <a:avLst/>
+          </a:prstGeom>
+          <a:ln w="38100" cap="sq">
+            <a:solidFill>
+              <a:srgbClr val="000000"/>
+            </a:solidFill>
+            <a:prstDash val="solid"/>
+            <a:miter lim="800000"/>
+          </a:ln>
+          <a:effectLst>
+            <a:outerShdw blurRad="50800" dist="38100" dir="2700000" algn="tl" rotWithShape="0">
+              <a:srgbClr val="000000">
+                <a:alpha val="43000"/>
+              </a:srgbClr>
+            </a:outerShdw>
+          </a:effectLst>
+        </p:spPr>
+      </p:pic>
+      <p:pic>
+        <p:nvPicPr>
+          <p:cNvPr id="6" name="Picture 5">
+            <a:extLst>
+              <a:ext uri="{FF2B5EF4-FFF2-40B4-BE49-F238E27FC236}">
+                <a16:creationId xmlns:a16="http://schemas.microsoft.com/office/drawing/2014/main" id="{04BA0A53-4102-435B-B6F3-0AFD360729F8}"/>
+              </a:ext>
+            </a:extLst>
+          </p:cNvPr>
+          <p:cNvPicPr>
+            <a:picLocks noChangeAspect="1"/>
+          </p:cNvPicPr>
+          <p:nvPr/>
+        </p:nvPicPr>
+        <p:blipFill>
+          <a:blip r:embed="rId3"/>
+          <a:stretch>
+            <a:fillRect/>
+          </a:stretch>
+        </p:blipFill>
+        <p:spPr>
+          <a:xfrm>
+            <a:off x="8481365" y="1922225"/>
+            <a:ext cx="1691333" cy="4570015"/>
+          </a:xfrm>
+          <a:prstGeom prst="rect">
+            <a:avLst/>
+          </a:prstGeom>
+          <a:ln w="38100" cap="sq">
+            <a:solidFill>
+              <a:srgbClr val="000000"/>
+            </a:solidFill>
+            <a:prstDash val="solid"/>
+            <a:miter lim="800000"/>
+          </a:ln>
+          <a:effectLst>
+            <a:outerShdw blurRad="50800" dist="38100" dir="2700000" algn="tl" rotWithShape="0">
+              <a:srgbClr val="000000">
+                <a:alpha val="43000"/>
+              </a:srgbClr>
+            </a:outerShdw>
+          </a:effectLst>
+        </p:spPr>
+      </p:pic>
+      <p:pic>
+        <p:nvPicPr>
+          <p:cNvPr id="7" name="Picture 6">
+            <a:extLst>
+              <a:ext uri="{FF2B5EF4-FFF2-40B4-BE49-F238E27FC236}">
+                <a16:creationId xmlns:a16="http://schemas.microsoft.com/office/drawing/2014/main" id="{87D376F4-E703-45D8-9D28-920EB54E83B1}"/>
+              </a:ext>
+            </a:extLst>
+          </p:cNvPr>
+          <p:cNvPicPr>
+            <a:picLocks noChangeAspect="1"/>
+          </p:cNvPicPr>
+          <p:nvPr/>
+        </p:nvPicPr>
+        <p:blipFill>
+          <a:blip r:embed="rId4"/>
+          <a:stretch>
+            <a:fillRect/>
+          </a:stretch>
+        </p:blipFill>
+        <p:spPr>
+          <a:xfrm>
+            <a:off x="623137" y="2930618"/>
+            <a:ext cx="5080866" cy="2011176"/>
+          </a:xfrm>
+          <a:prstGeom prst="rect">
+            <a:avLst/>
+          </a:prstGeom>
+          <a:ln w="38100" cap="sq">
+            <a:solidFill>
+              <a:srgbClr val="000000"/>
+            </a:solidFill>
+            <a:prstDash val="solid"/>
+            <a:miter lim="800000"/>
+          </a:ln>
+          <a:effectLst>
+            <a:outerShdw blurRad="50800" dist="38100" dir="2700000" algn="tl" rotWithShape="0">
+              <a:srgbClr val="000000">
+                <a:alpha val="43000"/>
+              </a:srgbClr>
+            </a:outerShdw>
+          </a:effectLst>
+        </p:spPr>
+      </p:pic>
+      <p:sp>
+        <p:nvSpPr>
+          <p:cNvPr id="8" name="TextBox 7">
+            <a:extLst>
+              <a:ext uri="{FF2B5EF4-FFF2-40B4-BE49-F238E27FC236}">
+                <a16:creationId xmlns:a16="http://schemas.microsoft.com/office/drawing/2014/main" id="{11CDD5E1-0683-4909-B0A2-1F9D7C300260}"/>
+              </a:ext>
+            </a:extLst>
+          </p:cNvPr>
+          <p:cNvSpPr txBox="1"/>
+          <p:nvPr/>
+        </p:nvSpPr>
+        <p:spPr>
+          <a:xfrm>
+            <a:off x="7173432" y="6550223"/>
+            <a:ext cx="4933508" cy="307777"/>
+          </a:xfrm>
+          <a:prstGeom prst="rect">
+            <a:avLst/>
+          </a:prstGeom>
+          <a:noFill/>
+        </p:spPr>
+        <p:txBody>
+          <a:bodyPr wrap="square" rtlCol="0">
+            <a:spAutoFit/>
+          </a:bodyPr>
+          <a:lstStyle/>
+          <a:p>
+            <a:r>
+              <a:rPr lang="en-US" sz="1400" b="1" dirty="0"/>
+              <a:t>View code @ </a:t>
+            </a:r>
+            <a:r>
+              <a:rPr lang="en-US" sz="1400" dirty="0">
+                <a:hlinkClick r:id="rId5"/>
+              </a:rPr>
+              <a:t>https://github.com/iamjz/matcher/</a:t>
+            </a:r>
+            <a:endParaRPr lang="en-US" sz="1400" dirty="0"/>
+          </a:p>
+        </p:txBody>
+      </p:sp>
+    </p:spTree>
+    <p:extLst>
+      <p:ext uri="{BB962C8B-B14F-4D97-AF65-F5344CB8AC3E}">
+        <p14:creationId xmlns:p14="http://schemas.microsoft.com/office/powerpoint/2010/main" val="2169991653"/>
+      </p:ext>
+    </p:extLst>
+  </p:cSld>
+  <p:clrMapOvr>
+    <a:masterClrMapping/>
+  </p:clrMapOvr>
+</p:sld>
+</file>
+
+<file path=ppt/slides/slide12.xml><?xml version="1.0" encoding="utf-8"?>
+<p:sld xmlns:a="http://schemas.openxmlformats.org/drawingml/2006/main" xmlns:r="http://schemas.openxmlformats.org/officeDocument/2006/relationships" xmlns:p="http://schemas.openxmlformats.org/presentationml/2006/main">
+  <p:cSld>
+    <p:spTree>
+      <p:nvGrpSpPr>
+        <p:cNvPr id="1" name=""/>
+        <p:cNvGrpSpPr/>
+        <p:nvPr/>
+      </p:nvGrpSpPr>
+      <p:grpSpPr>
+        <a:xfrm>
+          <a:off x="0" y="0"/>
+          <a:ext cx="0" cy="0"/>
+          <a:chOff x="0" y="0"/>
+          <a:chExt cx="0" cy="0"/>
+        </a:xfrm>
+      </p:grpSpPr>
+      <p:sp>
+        <p:nvSpPr>
+          <p:cNvPr id="2" name="Title 1">
+            <a:extLst>
+              <a:ext uri="{FF2B5EF4-FFF2-40B4-BE49-F238E27FC236}">
+                <a16:creationId xmlns:a16="http://schemas.microsoft.com/office/drawing/2014/main" id="{735D2D2B-CD05-4EA1-BE46-40B91AC55356}"/>
+              </a:ext>
+            </a:extLst>
+          </p:cNvPr>
+          <p:cNvSpPr>
+            <a:spLocks noGrp="1"/>
+          </p:cNvSpPr>
+          <p:nvPr>
+            <p:ph type="title"/>
+          </p:nvPr>
+        </p:nvSpPr>
+        <p:spPr/>
+        <p:txBody>
+          <a:bodyPr/>
+          <a:lstStyle/>
+          <a:p>
+            <a:r>
+              <a:rPr lang="en-US" dirty="0"/>
+              <a:t>Validations: User Flairs</a:t>
+            </a:r>
+          </a:p>
+        </p:txBody>
+      </p:sp>
+      <p:pic>
+        <p:nvPicPr>
+          <p:cNvPr id="4" name="Picture 3">
+            <a:extLst>
+              <a:ext uri="{FF2B5EF4-FFF2-40B4-BE49-F238E27FC236}">
+                <a16:creationId xmlns:a16="http://schemas.microsoft.com/office/drawing/2014/main" id="{56D5C752-536B-4C7B-B2C3-58D802DE127C}"/>
+              </a:ext>
+            </a:extLst>
+          </p:cNvPr>
+          <p:cNvPicPr>
+            <a:picLocks noChangeAspect="1"/>
+          </p:cNvPicPr>
+          <p:nvPr/>
+        </p:nvPicPr>
+        <p:blipFill>
+          <a:blip r:embed="rId2"/>
+          <a:stretch>
+            <a:fillRect/>
+          </a:stretch>
+        </p:blipFill>
+        <p:spPr>
+          <a:xfrm>
+            <a:off x="870769" y="2702859"/>
+            <a:ext cx="4622654" cy="2791603"/>
+          </a:xfrm>
+          <a:prstGeom prst="rect">
+            <a:avLst/>
+          </a:prstGeom>
+          <a:ln w="38100" cap="sq">
+            <a:solidFill>
+              <a:srgbClr val="000000"/>
+            </a:solidFill>
+            <a:prstDash val="solid"/>
+            <a:miter lim="800000"/>
+          </a:ln>
+          <a:effectLst>
+            <a:outerShdw blurRad="50800" dist="38100" dir="2700000" algn="tl" rotWithShape="0">
+              <a:srgbClr val="000000">
+                <a:alpha val="43000"/>
+              </a:srgbClr>
+            </a:outerShdw>
+          </a:effectLst>
+        </p:spPr>
+      </p:pic>
+      <p:pic>
+        <p:nvPicPr>
+          <p:cNvPr id="5" name="Picture 4">
+            <a:extLst>
+              <a:ext uri="{FF2B5EF4-FFF2-40B4-BE49-F238E27FC236}">
+                <a16:creationId xmlns:a16="http://schemas.microsoft.com/office/drawing/2014/main" id="{45B17251-68D5-4856-BBEB-D1FF7C6AC981}"/>
+              </a:ext>
+            </a:extLst>
+          </p:cNvPr>
+          <p:cNvPicPr>
+            <a:picLocks noChangeAspect="1"/>
+          </p:cNvPicPr>
+          <p:nvPr/>
+        </p:nvPicPr>
+        <p:blipFill>
+          <a:blip r:embed="rId3"/>
+          <a:stretch>
+            <a:fillRect/>
+          </a:stretch>
+        </p:blipFill>
+        <p:spPr>
+          <a:xfrm>
+            <a:off x="6108192" y="2246731"/>
+            <a:ext cx="4151914" cy="3574577"/>
+          </a:xfrm>
+          <a:prstGeom prst="rect">
+            <a:avLst/>
+          </a:prstGeom>
+          <a:ln w="38100" cap="sq">
+            <a:solidFill>
+              <a:srgbClr val="000000"/>
+            </a:solidFill>
+            <a:prstDash val="solid"/>
+            <a:miter lim="800000"/>
+          </a:ln>
+          <a:effectLst>
+            <a:outerShdw blurRad="50800" dist="38100" dir="2700000" algn="tl" rotWithShape="0">
+              <a:srgbClr val="000000">
+                <a:alpha val="43000"/>
+              </a:srgbClr>
+            </a:outerShdw>
+          </a:effectLst>
+        </p:spPr>
+      </p:pic>
+      <p:sp>
+        <p:nvSpPr>
+          <p:cNvPr id="6" name="TextBox 5">
+            <a:extLst>
+              <a:ext uri="{FF2B5EF4-FFF2-40B4-BE49-F238E27FC236}">
+                <a16:creationId xmlns:a16="http://schemas.microsoft.com/office/drawing/2014/main" id="{A2B647C8-D85D-4C19-87CB-136BB3E939F1}"/>
+              </a:ext>
+            </a:extLst>
+          </p:cNvPr>
+          <p:cNvSpPr txBox="1"/>
+          <p:nvPr/>
+        </p:nvSpPr>
+        <p:spPr>
+          <a:xfrm>
+            <a:off x="7173432" y="6550223"/>
+            <a:ext cx="4933508" cy="307777"/>
+          </a:xfrm>
+          <a:prstGeom prst="rect">
+            <a:avLst/>
+          </a:prstGeom>
+          <a:noFill/>
+        </p:spPr>
+        <p:txBody>
+          <a:bodyPr wrap="square" rtlCol="0">
+            <a:spAutoFit/>
+          </a:bodyPr>
+          <a:lstStyle/>
+          <a:p>
+            <a:r>
+              <a:rPr lang="en-US" sz="1400" b="1" dirty="0"/>
+              <a:t>View code @ </a:t>
+            </a:r>
+            <a:r>
+              <a:rPr lang="en-US" sz="1400" dirty="0">
+                <a:hlinkClick r:id="rId4"/>
+              </a:rPr>
+              <a:t>https://github.com/iamjz/matcher/</a:t>
+            </a:r>
+            <a:endParaRPr lang="en-US" sz="1400" dirty="0"/>
+          </a:p>
+        </p:txBody>
+      </p:sp>
+    </p:spTree>
+    <p:extLst>
+      <p:ext uri="{BB962C8B-B14F-4D97-AF65-F5344CB8AC3E}">
+        <p14:creationId xmlns:p14="http://schemas.microsoft.com/office/powerpoint/2010/main" val="3070775692"/>
+      </p:ext>
+    </p:extLst>
+  </p:cSld>
+  <p:clrMapOvr>
+    <a:masterClrMapping/>
+  </p:clrMapOvr>
+</p:sld>
+</file>
+
+<file path=ppt/slides/slide13.xml><?xml version="1.0" encoding="utf-8"?>
+<p:sld xmlns:a="http://schemas.openxmlformats.org/drawingml/2006/main" xmlns:r="http://schemas.openxmlformats.org/officeDocument/2006/relationships" xmlns:p="http://schemas.openxmlformats.org/presentationml/2006/main">
+  <p:cSld>
+    <p:spTree>
+      <p:nvGrpSpPr>
+        <p:cNvPr id="1" name=""/>
+        <p:cNvGrpSpPr/>
+        <p:nvPr/>
+      </p:nvGrpSpPr>
+      <p:grpSpPr>
+        <a:xfrm>
+          <a:off x="0" y="0"/>
+          <a:ext cx="0" cy="0"/>
+          <a:chOff x="0" y="0"/>
+          <a:chExt cx="0" cy="0"/>
+        </a:xfrm>
+      </p:grpSpPr>
+      <p:sp>
+        <p:nvSpPr>
+          <p:cNvPr id="2" name="Title 1">
+            <a:extLst>
+              <a:ext uri="{FF2B5EF4-FFF2-40B4-BE49-F238E27FC236}">
+                <a16:creationId xmlns:a16="http://schemas.microsoft.com/office/drawing/2014/main" id="{32BCF478-C3C8-4C6A-B1BC-581B8DD13F07}"/>
+              </a:ext>
+            </a:extLst>
+          </p:cNvPr>
+          <p:cNvSpPr>
+            <a:spLocks noGrp="1"/>
+          </p:cNvSpPr>
+          <p:nvPr>
+            <p:ph type="title"/>
+          </p:nvPr>
+        </p:nvSpPr>
+        <p:spPr/>
+        <p:txBody>
+          <a:bodyPr/>
+          <a:lstStyle/>
+          <a:p>
+            <a:r>
+              <a:rPr lang="en-US" dirty="0"/>
+              <a:t>Validations: Common Features</a:t>
+            </a:r>
+          </a:p>
+        </p:txBody>
+      </p:sp>
+      <p:pic>
+        <p:nvPicPr>
+          <p:cNvPr id="4" name="Picture 3">
+            <a:extLst>
+              <a:ext uri="{FF2B5EF4-FFF2-40B4-BE49-F238E27FC236}">
+                <a16:creationId xmlns:a16="http://schemas.microsoft.com/office/drawing/2014/main" id="{A1E69AE1-C575-4433-A478-FE941B37D0FC}"/>
+              </a:ext>
+            </a:extLst>
+          </p:cNvPr>
+          <p:cNvPicPr>
+            <a:picLocks noChangeAspect="1"/>
+          </p:cNvPicPr>
+          <p:nvPr/>
+        </p:nvPicPr>
+        <p:blipFill>
+          <a:blip r:embed="rId2"/>
+          <a:stretch>
+            <a:fillRect/>
+          </a:stretch>
+        </p:blipFill>
+        <p:spPr>
+          <a:xfrm>
+            <a:off x="1147651" y="3444331"/>
+            <a:ext cx="4211081" cy="868387"/>
+          </a:xfrm>
+          <a:prstGeom prst="rect">
+            <a:avLst/>
+          </a:prstGeom>
+          <a:ln w="38100" cap="sq">
+            <a:solidFill>
+              <a:srgbClr val="000000"/>
+            </a:solidFill>
+            <a:prstDash val="solid"/>
+            <a:miter lim="800000"/>
+          </a:ln>
+          <a:effectLst>
+            <a:outerShdw blurRad="50800" dist="38100" dir="2700000" algn="tl" rotWithShape="0">
+              <a:srgbClr val="000000">
+                <a:alpha val="43000"/>
+              </a:srgbClr>
+            </a:outerShdw>
+          </a:effectLst>
+        </p:spPr>
+      </p:pic>
+      <p:pic>
+        <p:nvPicPr>
+          <p:cNvPr id="5" name="Picture 4">
+            <a:extLst>
+              <a:ext uri="{FF2B5EF4-FFF2-40B4-BE49-F238E27FC236}">
+                <a16:creationId xmlns:a16="http://schemas.microsoft.com/office/drawing/2014/main" id="{54A13A48-751D-4551-BF08-A197F4346ABF}"/>
+              </a:ext>
+            </a:extLst>
+          </p:cNvPr>
+          <p:cNvPicPr>
+            <a:picLocks noChangeAspect="1"/>
+          </p:cNvPicPr>
+          <p:nvPr/>
+        </p:nvPicPr>
+        <p:blipFill>
+          <a:blip r:embed="rId3"/>
+          <a:stretch>
+            <a:fillRect/>
+          </a:stretch>
+        </p:blipFill>
+        <p:spPr>
+          <a:xfrm>
+            <a:off x="6091742" y="1768040"/>
+            <a:ext cx="1130233" cy="4596282"/>
+          </a:xfrm>
+          <a:prstGeom prst="rect">
+            <a:avLst/>
+          </a:prstGeom>
+          <a:ln w="38100" cap="sq">
+            <a:solidFill>
+              <a:srgbClr val="000000"/>
+            </a:solidFill>
+            <a:prstDash val="solid"/>
+            <a:miter lim="800000"/>
+          </a:ln>
+          <a:effectLst>
+            <a:outerShdw blurRad="50800" dist="38100" dir="2700000" algn="tl" rotWithShape="0">
+              <a:srgbClr val="000000">
+                <a:alpha val="43000"/>
+              </a:srgbClr>
+            </a:outerShdw>
+          </a:effectLst>
+        </p:spPr>
+      </p:pic>
+      <p:pic>
+        <p:nvPicPr>
+          <p:cNvPr id="6" name="Picture 5">
+            <a:extLst>
+              <a:ext uri="{FF2B5EF4-FFF2-40B4-BE49-F238E27FC236}">
+                <a16:creationId xmlns:a16="http://schemas.microsoft.com/office/drawing/2014/main" id="{98FDFA0F-A78C-4054-BB69-52A4CAEB6317}"/>
+              </a:ext>
+            </a:extLst>
+          </p:cNvPr>
+          <p:cNvPicPr>
+            <a:picLocks noChangeAspect="1"/>
+          </p:cNvPicPr>
+          <p:nvPr/>
+        </p:nvPicPr>
+        <p:blipFill>
+          <a:blip r:embed="rId4"/>
+          <a:stretch>
+            <a:fillRect/>
+          </a:stretch>
+        </p:blipFill>
+        <p:spPr>
+          <a:xfrm>
+            <a:off x="8056971" y="1768040"/>
+            <a:ext cx="1214043" cy="4705464"/>
+          </a:xfrm>
+          <a:prstGeom prst="rect">
+            <a:avLst/>
+          </a:prstGeom>
+          <a:ln w="38100" cap="sq">
+            <a:solidFill>
+              <a:srgbClr val="000000"/>
+            </a:solidFill>
+            <a:prstDash val="solid"/>
+            <a:miter lim="800000"/>
+          </a:ln>
+          <a:effectLst>
+            <a:outerShdw blurRad="50800" dist="38100" dir="2700000" algn="tl" rotWithShape="0">
+              <a:srgbClr val="000000">
+                <a:alpha val="43000"/>
+              </a:srgbClr>
+            </a:outerShdw>
+          </a:effectLst>
+        </p:spPr>
+      </p:pic>
+      <p:sp>
+        <p:nvSpPr>
+          <p:cNvPr id="7" name="TextBox 6">
+            <a:extLst>
+              <a:ext uri="{FF2B5EF4-FFF2-40B4-BE49-F238E27FC236}">
+                <a16:creationId xmlns:a16="http://schemas.microsoft.com/office/drawing/2014/main" id="{B029B8EE-31EF-415A-88C8-CBDE1A6ADC2A}"/>
+              </a:ext>
+            </a:extLst>
+          </p:cNvPr>
+          <p:cNvSpPr txBox="1"/>
+          <p:nvPr/>
+        </p:nvSpPr>
+        <p:spPr>
+          <a:xfrm>
+            <a:off x="7173432" y="6550223"/>
+            <a:ext cx="4933508" cy="307777"/>
+          </a:xfrm>
+          <a:prstGeom prst="rect">
+            <a:avLst/>
+          </a:prstGeom>
+          <a:noFill/>
+        </p:spPr>
+        <p:txBody>
+          <a:bodyPr wrap="square" rtlCol="0">
+            <a:spAutoFit/>
+          </a:bodyPr>
+          <a:lstStyle/>
+          <a:p>
+            <a:r>
+              <a:rPr lang="en-US" sz="1400" b="1" dirty="0"/>
+              <a:t>View code @ </a:t>
+            </a:r>
+            <a:r>
+              <a:rPr lang="en-US" sz="1400" dirty="0">
+                <a:hlinkClick r:id="rId5"/>
+              </a:rPr>
+              <a:t>https://github.com/iamjz/matcher/</a:t>
+            </a:r>
+            <a:endParaRPr lang="en-US" sz="1400" dirty="0"/>
+          </a:p>
+        </p:txBody>
+      </p:sp>
+    </p:spTree>
+    <p:extLst>
+      <p:ext uri="{BB962C8B-B14F-4D97-AF65-F5344CB8AC3E}">
+        <p14:creationId xmlns:p14="http://schemas.microsoft.com/office/powerpoint/2010/main" val="2428094489"/>
+      </p:ext>
+    </p:extLst>
+  </p:cSld>
+  <p:clrMapOvr>
+    <a:masterClrMapping/>
+  </p:clrMapOvr>
+</p:sld>
+</file>
+
+<file path=ppt/slides/slide14.xml><?xml version="1.0" encoding="utf-8"?>
+<p:sld xmlns:a="http://schemas.openxmlformats.org/drawingml/2006/main" xmlns:r="http://schemas.openxmlformats.org/officeDocument/2006/relationships" xmlns:p="http://schemas.openxmlformats.org/presentationml/2006/main">
+  <p:cSld>
+    <p:spTree>
+      <p:nvGrpSpPr>
+        <p:cNvPr id="1" name=""/>
+        <p:cNvGrpSpPr/>
+        <p:nvPr/>
+      </p:nvGrpSpPr>
+      <p:grpSpPr>
+        <a:xfrm>
+          <a:off x="0" y="0"/>
+          <a:ext cx="0" cy="0"/>
+          <a:chOff x="0" y="0"/>
+          <a:chExt cx="0" cy="0"/>
+        </a:xfrm>
+      </p:grpSpPr>
+      <p:sp>
+        <p:nvSpPr>
+          <p:cNvPr id="2" name="Title 1">
+            <a:extLst>
+              <a:ext uri="{FF2B5EF4-FFF2-40B4-BE49-F238E27FC236}">
+                <a16:creationId xmlns:a16="http://schemas.microsoft.com/office/drawing/2014/main" id="{9D6C9322-A528-40E1-B76A-6642B2816772}"/>
+              </a:ext>
+            </a:extLst>
+          </p:cNvPr>
+          <p:cNvSpPr>
+            <a:spLocks noGrp="1"/>
+          </p:cNvSpPr>
+          <p:nvPr>
+            <p:ph type="title"/>
+          </p:nvPr>
+        </p:nvSpPr>
+        <p:spPr/>
+        <p:txBody>
+          <a:bodyPr/>
+          <a:lstStyle/>
+          <a:p>
+            <a:r>
+              <a:rPr lang="en-US" dirty="0"/>
+              <a:t>Validations: Hierarchical Clustering</a:t>
+            </a:r>
+          </a:p>
+        </p:txBody>
+      </p:sp>
+      <p:pic>
+        <p:nvPicPr>
+          <p:cNvPr id="4" name="Picture 3">
+            <a:extLst>
+              <a:ext uri="{FF2B5EF4-FFF2-40B4-BE49-F238E27FC236}">
+                <a16:creationId xmlns:a16="http://schemas.microsoft.com/office/drawing/2014/main" id="{C1F9AD3D-8E1D-4DD9-AC26-F944EFB3C011}"/>
+              </a:ext>
+            </a:extLst>
+          </p:cNvPr>
+          <p:cNvPicPr>
+            <a:picLocks noChangeAspect="1"/>
+          </p:cNvPicPr>
+          <p:nvPr/>
+        </p:nvPicPr>
+        <p:blipFill>
+          <a:blip r:embed="rId2"/>
+          <a:stretch>
+            <a:fillRect/>
+          </a:stretch>
+        </p:blipFill>
+        <p:spPr>
+          <a:xfrm>
+            <a:off x="497480" y="1977016"/>
+            <a:ext cx="3102644" cy="4071769"/>
+          </a:xfrm>
+          <a:prstGeom prst="rect">
+            <a:avLst/>
+          </a:prstGeom>
+          <a:ln w="38100" cap="sq">
+            <a:solidFill>
+              <a:srgbClr val="000000"/>
+            </a:solidFill>
+            <a:prstDash val="solid"/>
+            <a:miter lim="800000"/>
+          </a:ln>
+          <a:effectLst>
+            <a:outerShdw blurRad="50800" dist="38100" dir="2700000" algn="tl" rotWithShape="0">
+              <a:srgbClr val="000000">
+                <a:alpha val="43000"/>
+              </a:srgbClr>
+            </a:outerShdw>
+          </a:effectLst>
+        </p:spPr>
+      </p:pic>
+      <p:pic>
+        <p:nvPicPr>
+          <p:cNvPr id="8" name="Picture 7">
+            <a:extLst>
+              <a:ext uri="{FF2B5EF4-FFF2-40B4-BE49-F238E27FC236}">
+                <a16:creationId xmlns:a16="http://schemas.microsoft.com/office/drawing/2014/main" id="{78D16621-E7B9-4CF2-81F6-AF201BF79679}"/>
+              </a:ext>
+            </a:extLst>
+          </p:cNvPr>
+          <p:cNvPicPr>
+            <a:picLocks noChangeAspect="1"/>
+          </p:cNvPicPr>
+          <p:nvPr/>
+        </p:nvPicPr>
+        <p:blipFill>
+          <a:blip r:embed="rId3"/>
+          <a:stretch>
+            <a:fillRect/>
+          </a:stretch>
+        </p:blipFill>
+        <p:spPr>
+          <a:xfrm rot="16200000">
+            <a:off x="5676317" y="685613"/>
+            <a:ext cx="3451514" cy="6654573"/>
+          </a:xfrm>
+          <a:prstGeom prst="rect">
+            <a:avLst/>
+          </a:prstGeom>
+          <a:ln w="38100" cap="sq">
+            <a:solidFill>
+              <a:srgbClr val="000000"/>
+            </a:solidFill>
+            <a:prstDash val="solid"/>
+            <a:miter lim="800000"/>
+          </a:ln>
+          <a:effectLst>
+            <a:outerShdw blurRad="50800" dist="38100" dir="2700000" algn="tl" rotWithShape="0">
+              <a:srgbClr val="000000">
+                <a:alpha val="43000"/>
+              </a:srgbClr>
+            </a:outerShdw>
+          </a:effectLst>
+        </p:spPr>
+      </p:pic>
+      <p:sp>
+        <p:nvSpPr>
+          <p:cNvPr id="9" name="TextBox 8">
+            <a:extLst>
+              <a:ext uri="{FF2B5EF4-FFF2-40B4-BE49-F238E27FC236}">
+                <a16:creationId xmlns:a16="http://schemas.microsoft.com/office/drawing/2014/main" id="{B7E13086-8189-4770-B9A7-A7372C836E2E}"/>
+              </a:ext>
+            </a:extLst>
+          </p:cNvPr>
+          <p:cNvSpPr txBox="1"/>
+          <p:nvPr/>
+        </p:nvSpPr>
+        <p:spPr>
+          <a:xfrm>
+            <a:off x="7173432" y="6550223"/>
+            <a:ext cx="4933508" cy="307777"/>
+          </a:xfrm>
+          <a:prstGeom prst="rect">
+            <a:avLst/>
+          </a:prstGeom>
+          <a:noFill/>
+        </p:spPr>
+        <p:txBody>
+          <a:bodyPr wrap="square" rtlCol="0">
+            <a:spAutoFit/>
+          </a:bodyPr>
+          <a:lstStyle/>
+          <a:p>
+            <a:r>
+              <a:rPr lang="en-US" sz="1400" b="1" dirty="0"/>
+              <a:t>View code @ </a:t>
+            </a:r>
+            <a:r>
+              <a:rPr lang="en-US" sz="1400" dirty="0">
+                <a:hlinkClick r:id="rId4"/>
+              </a:rPr>
+              <a:t>https://github.com/iamjz/matcher/</a:t>
+            </a:r>
+            <a:endParaRPr lang="en-US" sz="1400" dirty="0"/>
+          </a:p>
+        </p:txBody>
+      </p:sp>
+    </p:spTree>
+    <p:extLst>
+      <p:ext uri="{BB962C8B-B14F-4D97-AF65-F5344CB8AC3E}">
+        <p14:creationId xmlns:p14="http://schemas.microsoft.com/office/powerpoint/2010/main" val="2890406671"/>
+      </p:ext>
+    </p:extLst>
+  </p:cSld>
+  <p:clrMapOvr>
+    <a:masterClrMapping/>
+  </p:clrMapOvr>
+</p:sld>
+</file>
+
+<file path=ppt/slides/slide15.xml><?xml version="1.0" encoding="utf-8"?>
+<p:sld xmlns:a="http://schemas.openxmlformats.org/drawingml/2006/main" xmlns:r="http://schemas.openxmlformats.org/officeDocument/2006/relationships" xmlns:p="http://schemas.openxmlformats.org/presentationml/2006/main">
+  <p:cSld>
+    <p:spTree>
+      <p:nvGrpSpPr>
+        <p:cNvPr id="1" name=""/>
+        <p:cNvGrpSpPr/>
+        <p:nvPr/>
+      </p:nvGrpSpPr>
+      <p:grpSpPr>
+        <a:xfrm>
+          <a:off x="0" y="0"/>
+          <a:ext cx="0" cy="0"/>
+          <a:chOff x="0" y="0"/>
+          <a:chExt cx="0" cy="0"/>
+        </a:xfrm>
+      </p:grpSpPr>
+      <p:sp>
+        <p:nvSpPr>
+          <p:cNvPr id="2" name="Title 1">
+            <a:extLst>
+              <a:ext uri="{FF2B5EF4-FFF2-40B4-BE49-F238E27FC236}">
+                <a16:creationId xmlns:a16="http://schemas.microsoft.com/office/drawing/2014/main" id="{2C4FFD0A-F92F-467A-AC77-956CECC1EF0A}"/>
+              </a:ext>
+            </a:extLst>
+          </p:cNvPr>
+          <p:cNvSpPr>
+            <a:spLocks noGrp="1"/>
+          </p:cNvSpPr>
+          <p:nvPr>
+            <p:ph type="title"/>
+          </p:nvPr>
+        </p:nvSpPr>
+        <p:spPr/>
+        <p:txBody>
+          <a:bodyPr/>
+          <a:lstStyle/>
+          <a:p>
+            <a:r>
+              <a:rPr lang="en-US" dirty="0"/>
+              <a:t>Implementation details</a:t>
+            </a:r>
+          </a:p>
+        </p:txBody>
+      </p:sp>
+      <p:sp>
+        <p:nvSpPr>
+          <p:cNvPr id="3" name="Content Placeholder 2">
+            <a:extLst>
+              <a:ext uri="{FF2B5EF4-FFF2-40B4-BE49-F238E27FC236}">
+                <a16:creationId xmlns:a16="http://schemas.microsoft.com/office/drawing/2014/main" id="{0914D93E-3B6E-45D1-BB85-661F1A66B475}"/>
+              </a:ext>
+            </a:extLst>
+          </p:cNvPr>
+          <p:cNvSpPr>
+            <a:spLocks noGrp="1"/>
+          </p:cNvSpPr>
+          <p:nvPr>
+            <p:ph idx="1"/>
+          </p:nvPr>
+        </p:nvSpPr>
+        <p:spPr/>
+        <p:txBody>
+          <a:bodyPr>
+            <a:normAutofit fontScale="92500" lnSpcReduction="10000"/>
+          </a:bodyPr>
+          <a:lstStyle/>
+          <a:p>
+            <a:pPr>
+              <a:buFont typeface="Wingdings" panose="05000000000000000000" pitchFamily="2" charset="2"/>
+              <a:buChar char="Ø"/>
+            </a:pPr>
+            <a:r>
+              <a:rPr lang="en-US" b="1" dirty="0"/>
+              <a:t>TF-IDF </a:t>
+            </a:r>
+            <a:r>
+              <a:rPr lang="en-US" dirty="0"/>
+              <a:t>(Term frequency – Inverse document frequency):</a:t>
+            </a:r>
+          </a:p>
+          <a:p>
+            <a:pPr lvl="1">
+              <a:buFont typeface="Courier New" panose="02070309020205020404" pitchFamily="49" charset="0"/>
+              <a:buChar char="o"/>
+            </a:pPr>
+            <a:r>
+              <a:rPr lang="en-US" dirty="0"/>
+              <a:t>Reflects the importance of a word to a document in a corpus. </a:t>
+            </a:r>
+          </a:p>
+          <a:p>
+            <a:pPr lvl="1">
+              <a:buFont typeface="Courier New" panose="02070309020205020404" pitchFamily="49" charset="0"/>
+              <a:buChar char="o"/>
+            </a:pPr>
+            <a:r>
+              <a:rPr lang="en-US" dirty="0"/>
+              <a:t>Adjusts for frequently used words:</a:t>
+            </a:r>
+          </a:p>
+          <a:p>
+            <a:pPr lvl="2">
+              <a:buFont typeface="Courier New" panose="02070309020205020404" pitchFamily="49" charset="0"/>
+              <a:buChar char="o"/>
+            </a:pPr>
+            <a:r>
+              <a:rPr lang="en-US" dirty="0"/>
+              <a:t>Increases by number of times a word appears in the document.</a:t>
+            </a:r>
+          </a:p>
+          <a:p>
+            <a:pPr lvl="2">
+              <a:buFont typeface="Courier New" panose="02070309020205020404" pitchFamily="49" charset="0"/>
+              <a:buChar char="o"/>
+            </a:pPr>
+            <a:r>
+              <a:rPr lang="en-US" dirty="0"/>
+              <a:t>Decreases by the frequency of the word in the corpus.</a:t>
+            </a:r>
+          </a:p>
+          <a:p>
+            <a:pPr lvl="2">
+              <a:buFont typeface="Courier New" panose="02070309020205020404" pitchFamily="49" charset="0"/>
+              <a:buChar char="o"/>
+            </a:pPr>
+            <a:endParaRPr lang="en-US" b="1" dirty="0"/>
+          </a:p>
+          <a:p>
+            <a:pPr>
+              <a:buFont typeface="Wingdings" panose="05000000000000000000" pitchFamily="2" charset="2"/>
+              <a:buChar char="Ø"/>
+            </a:pPr>
+            <a:r>
+              <a:rPr lang="en-US" b="1" dirty="0"/>
+              <a:t>Distance calculation:</a:t>
+            </a:r>
+            <a:r>
+              <a:rPr lang="en-US" dirty="0"/>
+              <a:t> Measures vector similarity</a:t>
+            </a:r>
+          </a:p>
+          <a:p>
+            <a:pPr lvl="2">
+              <a:buFont typeface="Courier New" panose="02070309020205020404" pitchFamily="49" charset="0"/>
+              <a:buChar char="o"/>
+            </a:pPr>
+            <a:r>
+              <a:rPr lang="en-US" dirty="0"/>
+              <a:t>Cosine similarity: Measures the similarity of vectors with respect to the origin</a:t>
+            </a:r>
+          </a:p>
+          <a:p>
+            <a:pPr lvl="3">
+              <a:buFont typeface="Courier New" panose="02070309020205020404" pitchFamily="49" charset="0"/>
+              <a:buChar char="o"/>
+            </a:pPr>
+            <a:r>
+              <a:rPr lang="en-US" dirty="0"/>
+              <a:t>Catches the direction of the vectors (semantic meaning) better </a:t>
+            </a:r>
+          </a:p>
+          <a:p>
+            <a:pPr lvl="2">
+              <a:buFont typeface="Courier New" panose="02070309020205020404" pitchFamily="49" charset="0"/>
+              <a:buChar char="o"/>
+            </a:pPr>
+            <a:r>
+              <a:rPr lang="en-US" dirty="0"/>
+              <a:t>Euclidean distance: Measures distance between points of interest along the vector</a:t>
+            </a:r>
+          </a:p>
+          <a:p>
+            <a:pPr lvl="3">
+              <a:buFont typeface="Courier New" panose="02070309020205020404" pitchFamily="49" charset="0"/>
+              <a:buChar char="o"/>
+            </a:pPr>
+            <a:r>
+              <a:rPr lang="en-US" dirty="0"/>
+              <a:t>Not quite as powerful for high dimensional data</a:t>
+            </a:r>
+          </a:p>
+          <a:p>
+            <a:pPr>
+              <a:buFont typeface="Wingdings" panose="05000000000000000000" pitchFamily="2" charset="2"/>
+              <a:buChar char="Ø"/>
+            </a:pPr>
+            <a:r>
+              <a:rPr lang="en-US" b="1" dirty="0"/>
+              <a:t>Next steps:</a:t>
+            </a:r>
+          </a:p>
+          <a:p>
+            <a:pPr lvl="1">
+              <a:buFont typeface="Courier New" panose="02070309020205020404" pitchFamily="49" charset="0"/>
+              <a:buChar char="o"/>
+            </a:pPr>
+            <a:r>
+              <a:rPr lang="en-US" dirty="0"/>
+              <a:t>Flask API for others to consume it</a:t>
+            </a:r>
+          </a:p>
+          <a:p>
+            <a:pPr lvl="1">
+              <a:buFont typeface="Courier New" panose="02070309020205020404" pitchFamily="49" charset="0"/>
+              <a:buChar char="o"/>
+            </a:pPr>
+            <a:r>
+              <a:rPr lang="en-US" dirty="0"/>
+              <a:t>Word2Vec – Semantic Vectors:</a:t>
+            </a:r>
+          </a:p>
+          <a:p>
+            <a:pPr lvl="2">
+              <a:buFont typeface="Courier New" panose="02070309020205020404" pitchFamily="49" charset="0"/>
+              <a:buChar char="o"/>
+            </a:pPr>
+            <a:r>
+              <a:rPr lang="en-US" b="1" dirty="0"/>
+              <a:t>Text classification: </a:t>
+            </a:r>
+            <a:r>
+              <a:rPr lang="en-US" dirty="0"/>
+              <a:t>Liberal or Conservative</a:t>
+            </a:r>
+          </a:p>
+          <a:p>
+            <a:pPr lvl="2">
+              <a:buFont typeface="Courier New" panose="02070309020205020404" pitchFamily="49" charset="0"/>
+              <a:buChar char="o"/>
+            </a:pPr>
+            <a:r>
+              <a:rPr lang="en-US" b="1" dirty="0"/>
+              <a:t>Word equation: </a:t>
+            </a:r>
+            <a:r>
+              <a:rPr lang="en-US" dirty="0"/>
+              <a:t>King + (Woman – Man) = Queen</a:t>
+            </a:r>
+          </a:p>
+          <a:p>
+            <a:pPr lvl="2">
+              <a:buFont typeface="Courier New" panose="02070309020205020404" pitchFamily="49" charset="0"/>
+              <a:buChar char="o"/>
+            </a:pPr>
+            <a:endParaRPr lang="en-US" dirty="0"/>
+          </a:p>
+          <a:p>
+            <a:pPr lvl="1">
+              <a:buFont typeface="Courier New" panose="02070309020205020404" pitchFamily="49" charset="0"/>
+              <a:buChar char="o"/>
+            </a:pPr>
+            <a:endParaRPr lang="en-US" dirty="0"/>
+          </a:p>
+        </p:txBody>
+      </p:sp>
+    </p:spTree>
+    <p:extLst>
+      <p:ext uri="{BB962C8B-B14F-4D97-AF65-F5344CB8AC3E}">
+        <p14:creationId xmlns:p14="http://schemas.microsoft.com/office/powerpoint/2010/main" val="2111535835"/>
+      </p:ext>
+    </p:extLst>
+  </p:cSld>
+  <p:clrMapOvr>
+    <a:masterClrMapping/>
+  </p:clrMapOvr>
+</p:sld>
+</file>
+
+<file path=ppt/slides/slide16.xml><?xml version="1.0" encoding="utf-8"?>
+<p:sld xmlns:a="http://schemas.openxmlformats.org/drawingml/2006/main" xmlns:r="http://schemas.openxmlformats.org/officeDocument/2006/relationships" xmlns:p="http://schemas.openxmlformats.org/presentationml/2006/main">
+  <p:cSld>
+    <p:spTree>
+      <p:nvGrpSpPr>
+        <p:cNvPr id="1" name=""/>
+        <p:cNvGrpSpPr/>
+        <p:nvPr/>
+      </p:nvGrpSpPr>
+      <p:grpSpPr>
+        <a:xfrm>
+          <a:off x="0" y="0"/>
+          <a:ext cx="0" cy="0"/>
+          <a:chOff x="0" y="0"/>
+          <a:chExt cx="0" cy="0"/>
+        </a:xfrm>
+      </p:grpSpPr>
+      <p:sp>
+        <p:nvSpPr>
+          <p:cNvPr id="2" name="Title 1">
+            <a:extLst>
+              <a:ext uri="{FF2B5EF4-FFF2-40B4-BE49-F238E27FC236}">
                 <a16:creationId xmlns:a16="http://schemas.microsoft.com/office/drawing/2014/main" id="{5DB77BBD-6FDD-438C-8778-538BB91A616C}"/>
               </a:ext>
             </a:extLst>
@@ -14171,13 +15376,13 @@
         </p:nvSpPr>
         <p:spPr>
           <a:xfrm>
-            <a:off x="1261872" y="1828801"/>
-            <a:ext cx="8595360" cy="820270"/>
+            <a:off x="1261872" y="1828800"/>
+            <a:ext cx="8595360" cy="1600199"/>
           </a:xfrm>
         </p:spPr>
         <p:txBody>
           <a:bodyPr>
-            <a:normAutofit fontScale="85000" lnSpcReduction="20000"/>
+            <a:normAutofit/>
           </a:bodyPr>
           <a:lstStyle/>
           <a:p>
@@ -14215,13 +15420,13 @@
           <p:nvPr>
             <p:extLst>
               <p:ext uri="{D42A27DB-BD31-4B8C-83A1-F6EECF244321}">
-                <p14:modId xmlns:p14="http://schemas.microsoft.com/office/powerpoint/2010/main" val="328544413"/>
+                <p14:modId xmlns:p14="http://schemas.microsoft.com/office/powerpoint/2010/main" val="2875568759"/>
               </p:ext>
             </p:extLst>
           </p:nvPr>
         </p:nvGraphicFramePr>
         <p:xfrm>
-          <a:off x="1495552" y="1828801"/>
+          <a:off x="1320741" y="2057400"/>
           <a:ext cx="8128000" cy="5418667"/>
         </p:xfrm>
         <a:graphic>
@@ -14244,7 +15449,7 @@
         </p:nvSpPr>
         <p:spPr>
           <a:xfrm>
-            <a:off x="3533648" y="2974608"/>
+            <a:off x="3249629" y="3288267"/>
             <a:ext cx="2732567" cy="369332"/>
           </a:xfrm>
           <a:prstGeom prst="rect">
@@ -14279,7 +15484,7 @@
         </p:nvSpPr>
         <p:spPr>
           <a:xfrm>
-            <a:off x="8073089" y="2969292"/>
+            <a:off x="7997498" y="3288267"/>
             <a:ext cx="2732567" cy="369332"/>
           </a:xfrm>
           <a:prstGeom prst="rect">
@@ -14825,7 +16030,7 @@
         </p:nvSpPr>
         <p:spPr>
           <a:xfrm>
-            <a:off x="1041630" y="262138"/>
+            <a:off x="1041925" y="178343"/>
             <a:ext cx="3267850" cy="861774"/>
           </a:xfrm>
           <a:prstGeom prst="rect">
@@ -15220,6 +16425,303 @@
           <a:chExt cx="0" cy="0"/>
         </a:xfrm>
       </p:grpSpPr>
+      <p:sp>
+        <p:nvSpPr>
+          <p:cNvPr id="2" name="Title 1">
+            <a:extLst>
+              <a:ext uri="{FF2B5EF4-FFF2-40B4-BE49-F238E27FC236}">
+                <a16:creationId xmlns:a16="http://schemas.microsoft.com/office/drawing/2014/main" id="{5F0500CB-511F-4E2A-89D4-73B5E42539BC}"/>
+              </a:ext>
+            </a:extLst>
+          </p:cNvPr>
+          <p:cNvSpPr>
+            <a:spLocks noGrp="1"/>
+          </p:cNvSpPr>
+          <p:nvPr>
+            <p:ph type="title"/>
+          </p:nvPr>
+        </p:nvSpPr>
+        <p:spPr/>
+        <p:txBody>
+          <a:bodyPr/>
+          <a:lstStyle/>
+          <a:p>
+            <a:r>
+              <a:rPr lang="en-US" dirty="0"/>
+              <a:t>Implementation</a:t>
+            </a:r>
+          </a:p>
+        </p:txBody>
+      </p:sp>
+      <p:graphicFrame>
+        <p:nvGraphicFramePr>
+          <p:cNvPr id="9" name="Diagram 8">
+            <a:extLst>
+              <a:ext uri="{FF2B5EF4-FFF2-40B4-BE49-F238E27FC236}">
+                <a16:creationId xmlns:a16="http://schemas.microsoft.com/office/drawing/2014/main" id="{2CCBACCE-6728-4E4E-983B-8F12785E3D7D}"/>
+              </a:ext>
+            </a:extLst>
+          </p:cNvPr>
+          <p:cNvGraphicFramePr/>
+          <p:nvPr>
+            <p:extLst>
+              <p:ext uri="{D42A27DB-BD31-4B8C-83A1-F6EECF244321}">
+                <p14:modId xmlns:p14="http://schemas.microsoft.com/office/powerpoint/2010/main" val="2576311813"/>
+              </p:ext>
+            </p:extLst>
+          </p:nvPr>
+        </p:nvGraphicFramePr>
+        <p:xfrm>
+          <a:off x="637081" y="1993692"/>
+          <a:ext cx="10388185" cy="3717560"/>
+        </p:xfrm>
+        <a:graphic>
+          <a:graphicData uri="http://schemas.openxmlformats.org/drawingml/2006/diagram">
+            <dgm:relIds xmlns:dgm="http://schemas.openxmlformats.org/drawingml/2006/diagram" xmlns:r="http://schemas.openxmlformats.org/officeDocument/2006/relationships" r:dm="rId2" r:lo="rId3" r:qs="rId4" r:cs="rId5"/>
+          </a:graphicData>
+        </a:graphic>
+      </p:graphicFrame>
+    </p:spTree>
+    <p:extLst>
+      <p:ext uri="{BB962C8B-B14F-4D97-AF65-F5344CB8AC3E}">
+        <p14:creationId xmlns:p14="http://schemas.microsoft.com/office/powerpoint/2010/main" val="3007849096"/>
+      </p:ext>
+    </p:extLst>
+  </p:cSld>
+  <p:clrMapOvr>
+    <a:masterClrMapping/>
+  </p:clrMapOvr>
+</p:sld>
+</file>
+
+<file path=ppt/slides/slide7.xml><?xml version="1.0" encoding="utf-8"?>
+<p:sld xmlns:a="http://schemas.openxmlformats.org/drawingml/2006/main" xmlns:r="http://schemas.openxmlformats.org/officeDocument/2006/relationships" xmlns:p="http://schemas.openxmlformats.org/presentationml/2006/main">
+  <p:cSld>
+    <p:spTree>
+      <p:nvGrpSpPr>
+        <p:cNvPr id="1" name=""/>
+        <p:cNvGrpSpPr/>
+        <p:nvPr/>
+      </p:nvGrpSpPr>
+      <p:grpSpPr>
+        <a:xfrm>
+          <a:off x="0" y="0"/>
+          <a:ext cx="0" cy="0"/>
+          <a:chOff x="0" y="0"/>
+          <a:chExt cx="0" cy="0"/>
+        </a:xfrm>
+      </p:grpSpPr>
+      <p:sp>
+        <p:nvSpPr>
+          <p:cNvPr id="2" name="Title 1">
+            <a:extLst>
+              <a:ext uri="{FF2B5EF4-FFF2-40B4-BE49-F238E27FC236}">
+                <a16:creationId xmlns:a16="http://schemas.microsoft.com/office/drawing/2014/main" id="{9E8767EC-C511-4ADB-87BA-C0B28D98961A}"/>
+              </a:ext>
+            </a:extLst>
+          </p:cNvPr>
+          <p:cNvSpPr>
+            <a:spLocks noGrp="1"/>
+          </p:cNvSpPr>
+          <p:nvPr>
+            <p:ph type="title"/>
+          </p:nvPr>
+        </p:nvSpPr>
+        <p:spPr/>
+        <p:txBody>
+          <a:bodyPr/>
+          <a:lstStyle/>
+          <a:p>
+            <a:r>
+              <a:rPr lang="en-US" dirty="0"/>
+              <a:t>Implementation: Gather</a:t>
+            </a:r>
+          </a:p>
+        </p:txBody>
+      </p:sp>
+      <p:sp>
+        <p:nvSpPr>
+          <p:cNvPr id="3" name="Content Placeholder 2">
+            <a:extLst>
+              <a:ext uri="{FF2B5EF4-FFF2-40B4-BE49-F238E27FC236}">
+                <a16:creationId xmlns:a16="http://schemas.microsoft.com/office/drawing/2014/main" id="{6E5793DF-CCDC-4F3B-A72A-3EF4A0EBB71A}"/>
+              </a:ext>
+            </a:extLst>
+          </p:cNvPr>
+          <p:cNvSpPr>
+            <a:spLocks noGrp="1"/>
+          </p:cNvSpPr>
+          <p:nvPr>
+            <p:ph idx="1"/>
+          </p:nvPr>
+        </p:nvSpPr>
+        <p:spPr/>
+        <p:txBody>
+          <a:bodyPr/>
+          <a:lstStyle/>
+          <a:p>
+            <a:r>
+              <a:rPr lang="en-US" dirty="0"/>
+              <a:t>Reddit API: </a:t>
+            </a:r>
+          </a:p>
+          <a:p>
+            <a:r>
+              <a:rPr lang="en-US" dirty="0"/>
+              <a:t>PRAW API wrapper:</a:t>
+            </a:r>
+          </a:p>
+          <a:p>
+            <a:r>
+              <a:rPr lang="en-US" dirty="0"/>
+              <a:t>Data cleansing:</a:t>
+            </a:r>
+          </a:p>
+          <a:p>
+            <a:r>
+              <a:rPr lang="en-US" dirty="0"/>
+              <a:t>Storage:</a:t>
+            </a:r>
+          </a:p>
+        </p:txBody>
+      </p:sp>
+    </p:spTree>
+    <p:extLst>
+      <p:ext uri="{BB962C8B-B14F-4D97-AF65-F5344CB8AC3E}">
+        <p14:creationId xmlns:p14="http://schemas.microsoft.com/office/powerpoint/2010/main" val="985387126"/>
+      </p:ext>
+    </p:extLst>
+  </p:cSld>
+  <p:clrMapOvr>
+    <a:masterClrMapping/>
+  </p:clrMapOvr>
+</p:sld>
+</file>
+
+<file path=ppt/slides/slide8.xml><?xml version="1.0" encoding="utf-8"?>
+<p:sld xmlns:a="http://schemas.openxmlformats.org/drawingml/2006/main" xmlns:r="http://schemas.openxmlformats.org/officeDocument/2006/relationships" xmlns:p="http://schemas.openxmlformats.org/presentationml/2006/main">
+  <p:cSld>
+    <p:spTree>
+      <p:nvGrpSpPr>
+        <p:cNvPr id="1" name=""/>
+        <p:cNvGrpSpPr/>
+        <p:nvPr/>
+      </p:nvGrpSpPr>
+      <p:grpSpPr>
+        <a:xfrm>
+          <a:off x="0" y="0"/>
+          <a:ext cx="0" cy="0"/>
+          <a:chOff x="0" y="0"/>
+          <a:chExt cx="0" cy="0"/>
+        </a:xfrm>
+      </p:grpSpPr>
+      <p:sp>
+        <p:nvSpPr>
+          <p:cNvPr id="2" name="Title 1">
+            <a:extLst>
+              <a:ext uri="{FF2B5EF4-FFF2-40B4-BE49-F238E27FC236}">
+                <a16:creationId xmlns:a16="http://schemas.microsoft.com/office/drawing/2014/main" id="{ADCCD15B-2A7F-43A5-AE16-D9609DC01247}"/>
+              </a:ext>
+            </a:extLst>
+          </p:cNvPr>
+          <p:cNvSpPr>
+            <a:spLocks noGrp="1"/>
+          </p:cNvSpPr>
+          <p:nvPr>
+            <p:ph type="title"/>
+          </p:nvPr>
+        </p:nvSpPr>
+        <p:spPr/>
+        <p:txBody>
+          <a:bodyPr/>
+          <a:lstStyle/>
+          <a:p>
+            <a:r>
+              <a:rPr lang="en-US" dirty="0"/>
+              <a:t>Implementation: Recommend</a:t>
+            </a:r>
+          </a:p>
+        </p:txBody>
+      </p:sp>
+      <p:sp>
+        <p:nvSpPr>
+          <p:cNvPr id="3" name="Content Placeholder 2">
+            <a:extLst>
+              <a:ext uri="{FF2B5EF4-FFF2-40B4-BE49-F238E27FC236}">
+                <a16:creationId xmlns:a16="http://schemas.microsoft.com/office/drawing/2014/main" id="{89E4C33C-2A02-4D73-BDA9-87E9D077269D}"/>
+              </a:ext>
+            </a:extLst>
+          </p:cNvPr>
+          <p:cNvSpPr>
+            <a:spLocks noGrp="1"/>
+          </p:cNvSpPr>
+          <p:nvPr>
+            <p:ph idx="1"/>
+          </p:nvPr>
+        </p:nvSpPr>
+        <p:spPr/>
+        <p:txBody>
+          <a:bodyPr/>
+          <a:lstStyle/>
+          <a:p>
+            <a:r>
+              <a:rPr lang="en-US" dirty="0"/>
+              <a:t>TFIDF</a:t>
+            </a:r>
+          </a:p>
+          <a:p>
+            <a:r>
+              <a:rPr lang="en-US" dirty="0"/>
+              <a:t>Porter Stemmer</a:t>
+            </a:r>
+          </a:p>
+          <a:p>
+            <a:r>
+              <a:rPr lang="en-US" dirty="0"/>
+              <a:t>Remove stop-words</a:t>
+            </a:r>
+          </a:p>
+          <a:p>
+            <a:r>
+              <a:rPr lang="en-US" dirty="0"/>
+              <a:t>Cosine similarity</a:t>
+            </a:r>
+          </a:p>
+          <a:p>
+            <a:endParaRPr lang="en-US" dirty="0"/>
+          </a:p>
+        </p:txBody>
+      </p:sp>
+    </p:spTree>
+    <p:extLst>
+      <p:ext uri="{BB962C8B-B14F-4D97-AF65-F5344CB8AC3E}">
+        <p14:creationId xmlns:p14="http://schemas.microsoft.com/office/powerpoint/2010/main" val="2756968519"/>
+      </p:ext>
+    </p:extLst>
+  </p:cSld>
+  <p:clrMapOvr>
+    <a:masterClrMapping/>
+  </p:clrMapOvr>
+</p:sld>
+</file>
+
+<file path=ppt/slides/slide9.xml><?xml version="1.0" encoding="utf-8"?>
+<p:sld xmlns:a="http://schemas.openxmlformats.org/drawingml/2006/main" xmlns:r="http://schemas.openxmlformats.org/officeDocument/2006/relationships" xmlns:p="http://schemas.openxmlformats.org/presentationml/2006/main">
+  <p:cSld>
+    <p:spTree>
+      <p:nvGrpSpPr>
+        <p:cNvPr id="1" name=""/>
+        <p:cNvGrpSpPr/>
+        <p:nvPr/>
+      </p:nvGrpSpPr>
+      <p:grpSpPr>
+        <a:xfrm>
+          <a:off x="0" y="0"/>
+          <a:ext cx="0" cy="0"/>
+          <a:chOff x="0" y="0"/>
+          <a:chExt cx="0" cy="0"/>
+        </a:xfrm>
+      </p:grpSpPr>
       <p:pic>
         <p:nvPicPr>
           <p:cNvPr id="4" name="Content Placeholder 3">
@@ -15244,8 +16746,8 @@
         </p:blipFill>
         <p:spPr>
           <a:xfrm>
-            <a:off x="1775638" y="458344"/>
-            <a:ext cx="7612912" cy="5542690"/>
+            <a:off x="1876491" y="404555"/>
+            <a:ext cx="7852456" cy="5717093"/>
           </a:xfrm>
           <a:prstGeom prst="rect">
             <a:avLst/>
@@ -15312,451 +16814,6 @@
     <p:extLst>
       <p:ext uri="{BB962C8B-B14F-4D97-AF65-F5344CB8AC3E}">
         <p14:creationId xmlns:p14="http://schemas.microsoft.com/office/powerpoint/2010/main" val="1207792960"/>
-      </p:ext>
-    </p:extLst>
-  </p:cSld>
-  <p:clrMapOvr>
-    <a:masterClrMapping/>
-  </p:clrMapOvr>
-</p:sld>
-</file>
-
-<file path=ppt/slides/slide7.xml><?xml version="1.0" encoding="utf-8"?>
-<p:sld xmlns:a="http://schemas.openxmlformats.org/drawingml/2006/main" xmlns:r="http://schemas.openxmlformats.org/officeDocument/2006/relationships" xmlns:p="http://schemas.openxmlformats.org/presentationml/2006/main">
-  <p:cSld>
-    <p:spTree>
-      <p:nvGrpSpPr>
-        <p:cNvPr id="1" name=""/>
-        <p:cNvGrpSpPr/>
-        <p:nvPr/>
-      </p:nvGrpSpPr>
-      <p:grpSpPr>
-        <a:xfrm>
-          <a:off x="0" y="0"/>
-          <a:ext cx="0" cy="0"/>
-          <a:chOff x="0" y="0"/>
-          <a:chExt cx="0" cy="0"/>
-        </a:xfrm>
-      </p:grpSpPr>
-      <p:sp>
-        <p:nvSpPr>
-          <p:cNvPr id="2" name="Title 1">
-            <a:extLst>
-              <a:ext uri="{FF2B5EF4-FFF2-40B4-BE49-F238E27FC236}">
-                <a16:creationId xmlns:a16="http://schemas.microsoft.com/office/drawing/2014/main" id="{47A45301-9AC6-4580-AEC1-3A2D0A145FA8}"/>
-              </a:ext>
-            </a:extLst>
-          </p:cNvPr>
-          <p:cNvSpPr>
-            <a:spLocks noGrp="1"/>
-          </p:cNvSpPr>
-          <p:nvPr>
-            <p:ph type="title"/>
-          </p:nvPr>
-        </p:nvSpPr>
-        <p:spPr/>
-        <p:txBody>
-          <a:bodyPr>
-            <a:normAutofit/>
-          </a:bodyPr>
-          <a:lstStyle/>
-          <a:p>
-            <a:r>
-              <a:rPr lang="en-US" sz="4000" dirty="0"/>
-              <a:t>Recommendation systems aren’t perfect</a:t>
-            </a:r>
-          </a:p>
-        </p:txBody>
-      </p:sp>
-      <p:pic>
-        <p:nvPicPr>
-          <p:cNvPr id="4" name="Picture 3">
-            <a:extLst>
-              <a:ext uri="{FF2B5EF4-FFF2-40B4-BE49-F238E27FC236}">
-                <a16:creationId xmlns:a16="http://schemas.microsoft.com/office/drawing/2014/main" id="{B5A7E024-1214-45FC-9EAB-F29D6EDC4BFE}"/>
-              </a:ext>
-            </a:extLst>
-          </p:cNvPr>
-          <p:cNvPicPr>
-            <a:picLocks noChangeAspect="1"/>
-          </p:cNvPicPr>
-          <p:nvPr/>
-        </p:nvPicPr>
-        <p:blipFill>
-          <a:blip r:embed="rId2"/>
-          <a:stretch>
-            <a:fillRect/>
-          </a:stretch>
-        </p:blipFill>
-        <p:spPr>
-          <a:xfrm>
-            <a:off x="1398350" y="2025473"/>
-            <a:ext cx="8984811" cy="4079408"/>
-          </a:xfrm>
-          <a:prstGeom prst="rect">
-            <a:avLst/>
-          </a:prstGeom>
-        </p:spPr>
-      </p:pic>
-    </p:spTree>
-    <p:extLst>
-      <p:ext uri="{BB962C8B-B14F-4D97-AF65-F5344CB8AC3E}">
-        <p14:creationId xmlns:p14="http://schemas.microsoft.com/office/powerpoint/2010/main" val="12913078"/>
-      </p:ext>
-    </p:extLst>
-  </p:cSld>
-  <p:clrMapOvr>
-    <a:masterClrMapping/>
-  </p:clrMapOvr>
-</p:sld>
-</file>
-
-<file path=ppt/slides/slide8.xml><?xml version="1.0" encoding="utf-8"?>
-<p:sld xmlns:a="http://schemas.openxmlformats.org/drawingml/2006/main" xmlns:r="http://schemas.openxmlformats.org/officeDocument/2006/relationships" xmlns:p="http://schemas.openxmlformats.org/presentationml/2006/main">
-  <p:cSld>
-    <p:spTree>
-      <p:nvGrpSpPr>
-        <p:cNvPr id="1" name=""/>
-        <p:cNvGrpSpPr/>
-        <p:nvPr/>
-      </p:nvGrpSpPr>
-      <p:grpSpPr>
-        <a:xfrm>
-          <a:off x="0" y="0"/>
-          <a:ext cx="0" cy="0"/>
-          <a:chOff x="0" y="0"/>
-          <a:chExt cx="0" cy="0"/>
-        </a:xfrm>
-      </p:grpSpPr>
-      <p:sp>
-        <p:nvSpPr>
-          <p:cNvPr id="2" name="Title 1">
-            <a:extLst>
-              <a:ext uri="{FF2B5EF4-FFF2-40B4-BE49-F238E27FC236}">
-                <a16:creationId xmlns:a16="http://schemas.microsoft.com/office/drawing/2014/main" id="{5F0500CB-511F-4E2A-89D4-73B5E42539BC}"/>
-              </a:ext>
-            </a:extLst>
-          </p:cNvPr>
-          <p:cNvSpPr>
-            <a:spLocks noGrp="1"/>
-          </p:cNvSpPr>
-          <p:nvPr>
-            <p:ph type="title"/>
-          </p:nvPr>
-        </p:nvSpPr>
-        <p:spPr/>
-        <p:txBody>
-          <a:bodyPr/>
-          <a:lstStyle/>
-          <a:p>
-            <a:r>
-              <a:rPr lang="en-US" dirty="0"/>
-              <a:t>Implementation</a:t>
-            </a:r>
-          </a:p>
-        </p:txBody>
-      </p:sp>
-      <p:graphicFrame>
-        <p:nvGraphicFramePr>
-          <p:cNvPr id="9" name="Diagram 8">
-            <a:extLst>
-              <a:ext uri="{FF2B5EF4-FFF2-40B4-BE49-F238E27FC236}">
-                <a16:creationId xmlns:a16="http://schemas.microsoft.com/office/drawing/2014/main" id="{2CCBACCE-6728-4E4E-983B-8F12785E3D7D}"/>
-              </a:ext>
-            </a:extLst>
-          </p:cNvPr>
-          <p:cNvGraphicFramePr/>
-          <p:nvPr>
-            <p:extLst>
-              <p:ext uri="{D42A27DB-BD31-4B8C-83A1-F6EECF244321}">
-                <p14:modId xmlns:p14="http://schemas.microsoft.com/office/powerpoint/2010/main" val="832969297"/>
-              </p:ext>
-            </p:extLst>
-          </p:nvPr>
-        </p:nvGraphicFramePr>
-        <p:xfrm>
-          <a:off x="637081" y="1993692"/>
-          <a:ext cx="10388185" cy="3717560"/>
-        </p:xfrm>
-        <a:graphic>
-          <a:graphicData uri="http://schemas.openxmlformats.org/drawingml/2006/diagram">
-            <dgm:relIds xmlns:dgm="http://schemas.openxmlformats.org/drawingml/2006/diagram" xmlns:r="http://schemas.openxmlformats.org/officeDocument/2006/relationships" r:dm="rId2" r:lo="rId3" r:qs="rId4" r:cs="rId5"/>
-          </a:graphicData>
-        </a:graphic>
-      </p:graphicFrame>
-    </p:spTree>
-    <p:extLst>
-      <p:ext uri="{BB962C8B-B14F-4D97-AF65-F5344CB8AC3E}">
-        <p14:creationId xmlns:p14="http://schemas.microsoft.com/office/powerpoint/2010/main" val="3007849096"/>
-      </p:ext>
-    </p:extLst>
-  </p:cSld>
-  <p:clrMapOvr>
-    <a:masterClrMapping/>
-  </p:clrMapOvr>
-</p:sld>
-</file>
-
-<file path=ppt/slides/slide9.xml><?xml version="1.0" encoding="utf-8"?>
-<p:sld xmlns:a="http://schemas.openxmlformats.org/drawingml/2006/main" xmlns:r="http://schemas.openxmlformats.org/officeDocument/2006/relationships" xmlns:p="http://schemas.openxmlformats.org/presentationml/2006/main">
-  <p:cSld>
-    <p:spTree>
-      <p:nvGrpSpPr>
-        <p:cNvPr id="1" name=""/>
-        <p:cNvGrpSpPr/>
-        <p:nvPr/>
-      </p:nvGrpSpPr>
-      <p:grpSpPr>
-        <a:xfrm>
-          <a:off x="0" y="0"/>
-          <a:ext cx="0" cy="0"/>
-          <a:chOff x="0" y="0"/>
-          <a:chExt cx="0" cy="0"/>
-        </a:xfrm>
-      </p:grpSpPr>
-      <p:sp>
-        <p:nvSpPr>
-          <p:cNvPr id="2" name="Title 1">
-            <a:extLst>
-              <a:ext uri="{FF2B5EF4-FFF2-40B4-BE49-F238E27FC236}">
-                <a16:creationId xmlns:a16="http://schemas.microsoft.com/office/drawing/2014/main" id="{2C4FFD0A-F92F-467A-AC77-956CECC1EF0A}"/>
-              </a:ext>
-            </a:extLst>
-          </p:cNvPr>
-          <p:cNvSpPr>
-            <a:spLocks noGrp="1"/>
-          </p:cNvSpPr>
-          <p:nvPr>
-            <p:ph type="title"/>
-          </p:nvPr>
-        </p:nvSpPr>
-        <p:spPr/>
-        <p:txBody>
-          <a:bodyPr/>
-          <a:lstStyle/>
-          <a:p>
-            <a:r>
-              <a:rPr lang="en-US" dirty="0"/>
-              <a:t>Implementation details</a:t>
-            </a:r>
-          </a:p>
-        </p:txBody>
-      </p:sp>
-      <p:sp>
-        <p:nvSpPr>
-          <p:cNvPr id="3" name="Content Placeholder 2">
-            <a:extLst>
-              <a:ext uri="{FF2B5EF4-FFF2-40B4-BE49-F238E27FC236}">
-                <a16:creationId xmlns:a16="http://schemas.microsoft.com/office/drawing/2014/main" id="{0914D93E-3B6E-45D1-BB85-661F1A66B475}"/>
-              </a:ext>
-            </a:extLst>
-          </p:cNvPr>
-          <p:cNvSpPr>
-            <a:spLocks noGrp="1"/>
-          </p:cNvSpPr>
-          <p:nvPr>
-            <p:ph idx="1"/>
-          </p:nvPr>
-        </p:nvSpPr>
-        <p:spPr/>
-        <p:txBody>
-          <a:bodyPr>
-            <a:normAutofit fontScale="92500" lnSpcReduction="10000"/>
-          </a:bodyPr>
-          <a:lstStyle/>
-          <a:p>
-            <a:pPr>
-              <a:buFont typeface="Wingdings" panose="05000000000000000000" pitchFamily="2" charset="2"/>
-              <a:buChar char="Ø"/>
-            </a:pPr>
-            <a:r>
-              <a:rPr lang="en-US" b="1" dirty="0"/>
-              <a:t>TF-IDF </a:t>
-            </a:r>
-            <a:r>
-              <a:rPr lang="en-US" dirty="0"/>
-              <a:t>(Term frequency – Inverse document frequency):</a:t>
-            </a:r>
-          </a:p>
-          <a:p>
-            <a:pPr lvl="1">
-              <a:buFont typeface="Courier New" panose="02070309020205020404" pitchFamily="49" charset="0"/>
-              <a:buChar char="o"/>
-            </a:pPr>
-            <a:r>
-              <a:rPr lang="en-US" dirty="0"/>
-              <a:t>Reflects the importance of a word to a document in a corpus. </a:t>
-            </a:r>
-          </a:p>
-          <a:p>
-            <a:pPr lvl="1">
-              <a:buFont typeface="Courier New" panose="02070309020205020404" pitchFamily="49" charset="0"/>
-              <a:buChar char="o"/>
-            </a:pPr>
-            <a:r>
-              <a:rPr lang="en-US" dirty="0"/>
-              <a:t>Adjusts for frequently used words:</a:t>
-            </a:r>
-          </a:p>
-          <a:p>
-            <a:pPr lvl="2">
-              <a:buFont typeface="Courier New" panose="02070309020205020404" pitchFamily="49" charset="0"/>
-              <a:buChar char="o"/>
-            </a:pPr>
-            <a:r>
-              <a:rPr lang="en-US" dirty="0"/>
-              <a:t>Increases by number of times a word appears in the document.</a:t>
-            </a:r>
-          </a:p>
-          <a:p>
-            <a:pPr lvl="2">
-              <a:buFont typeface="Courier New" panose="02070309020205020404" pitchFamily="49" charset="0"/>
-              <a:buChar char="o"/>
-            </a:pPr>
-            <a:r>
-              <a:rPr lang="en-US" dirty="0"/>
-              <a:t>Decreases by the frequency of the word in the corpus.</a:t>
-            </a:r>
-          </a:p>
-          <a:p>
-            <a:pPr lvl="2">
-              <a:buFont typeface="Courier New" panose="02070309020205020404" pitchFamily="49" charset="0"/>
-              <a:buChar char="o"/>
-            </a:pPr>
-            <a:endParaRPr lang="en-US" b="1" dirty="0"/>
-          </a:p>
-          <a:p>
-            <a:pPr>
-              <a:buFont typeface="Wingdings" panose="05000000000000000000" pitchFamily="2" charset="2"/>
-              <a:buChar char="Ø"/>
-            </a:pPr>
-            <a:r>
-              <a:rPr lang="en-US" b="1" dirty="0"/>
-              <a:t>Distance calculation:</a:t>
-            </a:r>
-            <a:r>
-              <a:rPr lang="en-US" dirty="0"/>
-              <a:t> Measures vector similarity</a:t>
-            </a:r>
-          </a:p>
-          <a:p>
-            <a:pPr lvl="2">
-              <a:buFont typeface="Courier New" panose="02070309020205020404" pitchFamily="49" charset="0"/>
-              <a:buChar char="o"/>
-            </a:pPr>
-            <a:r>
-              <a:rPr lang="en-US" dirty="0"/>
-              <a:t>Cosine similarity: Measures the similarity of vectors with respect to the origin</a:t>
-            </a:r>
-          </a:p>
-          <a:p>
-            <a:pPr lvl="3">
-              <a:buFont typeface="Courier New" panose="02070309020205020404" pitchFamily="49" charset="0"/>
-              <a:buChar char="o"/>
-            </a:pPr>
-            <a:r>
-              <a:rPr lang="en-US" dirty="0"/>
-              <a:t>Catches the direction of the vectors (semantic meaning) better </a:t>
-            </a:r>
-          </a:p>
-          <a:p>
-            <a:pPr lvl="2">
-              <a:buFont typeface="Courier New" panose="02070309020205020404" pitchFamily="49" charset="0"/>
-              <a:buChar char="o"/>
-            </a:pPr>
-            <a:r>
-              <a:rPr lang="en-US" dirty="0"/>
-              <a:t>Euclidean distance: Measures distance between points of interest along the vector</a:t>
-            </a:r>
-          </a:p>
-          <a:p>
-            <a:pPr lvl="3">
-              <a:buFont typeface="Courier New" panose="02070309020205020404" pitchFamily="49" charset="0"/>
-              <a:buChar char="o"/>
-            </a:pPr>
-            <a:r>
-              <a:rPr lang="en-US" dirty="0"/>
-              <a:t>Not quite as powerful for high dimensional data</a:t>
-            </a:r>
-          </a:p>
-          <a:p>
-            <a:pPr>
-              <a:buFont typeface="Wingdings" panose="05000000000000000000" pitchFamily="2" charset="2"/>
-              <a:buChar char="Ø"/>
-            </a:pPr>
-            <a:r>
-              <a:rPr lang="en-US" b="1" dirty="0"/>
-              <a:t>Next steps:</a:t>
-            </a:r>
-          </a:p>
-          <a:p>
-            <a:pPr lvl="1">
-              <a:buFont typeface="Courier New" panose="02070309020205020404" pitchFamily="49" charset="0"/>
-              <a:buChar char="o"/>
-            </a:pPr>
-            <a:r>
-              <a:rPr lang="en-US" dirty="0"/>
-              <a:t>Flask API for others to consume it</a:t>
-            </a:r>
-          </a:p>
-          <a:p>
-            <a:pPr lvl="1">
-              <a:buFont typeface="Courier New" panose="02070309020205020404" pitchFamily="49" charset="0"/>
-              <a:buChar char="o"/>
-            </a:pPr>
-            <a:r>
-              <a:rPr lang="en-US" dirty="0"/>
-              <a:t>Word2Vec – Semantic Vectors:</a:t>
-            </a:r>
-          </a:p>
-          <a:p>
-            <a:pPr lvl="2">
-              <a:buFont typeface="Courier New" panose="02070309020205020404" pitchFamily="49" charset="0"/>
-              <a:buChar char="o"/>
-            </a:pPr>
-            <a:r>
-              <a:rPr lang="en-US" b="1" dirty="0"/>
-              <a:t>Text classification: </a:t>
-            </a:r>
-            <a:r>
-              <a:rPr lang="en-US" dirty="0"/>
-              <a:t>Liberal or Conservative</a:t>
-            </a:r>
-          </a:p>
-          <a:p>
-            <a:pPr lvl="2">
-              <a:buFont typeface="Courier New" panose="02070309020205020404" pitchFamily="49" charset="0"/>
-              <a:buChar char="o"/>
-            </a:pPr>
-            <a:r>
-              <a:rPr lang="en-US" b="1" dirty="0"/>
-              <a:t>Word equation: </a:t>
-            </a:r>
-            <a:r>
-              <a:rPr lang="en-US" dirty="0"/>
-              <a:t>King + (Woman – Man) = Queen</a:t>
-            </a:r>
-          </a:p>
-          <a:p>
-            <a:pPr lvl="2">
-              <a:buFont typeface="Courier New" panose="02070309020205020404" pitchFamily="49" charset="0"/>
-              <a:buChar char="o"/>
-            </a:pPr>
-            <a:endParaRPr lang="en-US" dirty="0"/>
-          </a:p>
-          <a:p>
-            <a:pPr lvl="1">
-              <a:buFont typeface="Courier New" panose="02070309020205020404" pitchFamily="49" charset="0"/>
-              <a:buChar char="o"/>
-            </a:pPr>
-            <a:endParaRPr lang="en-US" dirty="0"/>
-          </a:p>
-        </p:txBody>
-      </p:sp>
-    </p:spTree>
-    <p:extLst>
-      <p:ext uri="{BB962C8B-B14F-4D97-AF65-F5344CB8AC3E}">
-        <p14:creationId xmlns:p14="http://schemas.microsoft.com/office/powerpoint/2010/main" val="2111535835"/>
       </p:ext>
     </p:extLst>
   </p:cSld>

--- a/NetworkRecommendationEngine_Capstone_LZHAO.pptx
+++ b/NetworkRecommendationEngine_Capstone_LZHAO.pptx
@@ -16,11 +16,13 @@
     <p:sldId id="265" r:id="rId10"/>
     <p:sldId id="263" r:id="rId11"/>
     <p:sldId id="266" r:id="rId12"/>
-    <p:sldId id="267" r:id="rId13"/>
-    <p:sldId id="268" r:id="rId14"/>
-    <p:sldId id="269" r:id="rId15"/>
-    <p:sldId id="262" r:id="rId16"/>
-    <p:sldId id="261" r:id="rId17"/>
+    <p:sldId id="272" r:id="rId13"/>
+    <p:sldId id="273" r:id="rId14"/>
+    <p:sldId id="267" r:id="rId15"/>
+    <p:sldId id="268" r:id="rId16"/>
+    <p:sldId id="269" r:id="rId17"/>
+    <p:sldId id="262" r:id="rId18"/>
+    <p:sldId id="261" r:id="rId19"/>
   </p:sldIdLst>
   <p:sldSz cx="12192000" cy="6858000"/>
   <p:notesSz cx="6858000" cy="9144000"/>
@@ -10022,7 +10024,7 @@
           <a:p>
             <a:fld id="{D9B72568-9BE9-4240-8782-BE67DD707306}" type="datetimeFigureOut">
               <a:rPr lang="en-US" smtClean="0"/>
-              <a:t>4/25/2018</a:t>
+              <a:t>4/26/2018</a:t>
             </a:fld>
             <a:endParaRPr lang="en-US"/>
           </a:p>
@@ -10250,7 +10252,7 @@
           <a:p>
             <a:fld id="{D9B72568-9BE9-4240-8782-BE67DD707306}" type="datetimeFigureOut">
               <a:rPr lang="en-US" smtClean="0"/>
-              <a:t>4/25/2018</a:t>
+              <a:t>4/26/2018</a:t>
             </a:fld>
             <a:endParaRPr lang="en-US"/>
           </a:p>
@@ -10430,7 +10432,7 @@
           <a:p>
             <a:fld id="{D9B72568-9BE9-4240-8782-BE67DD707306}" type="datetimeFigureOut">
               <a:rPr lang="en-US" smtClean="0"/>
-              <a:t>4/25/2018</a:t>
+              <a:t>4/26/2018</a:t>
             </a:fld>
             <a:endParaRPr lang="en-US"/>
           </a:p>
@@ -10600,7 +10602,7 @@
           <a:p>
             <a:fld id="{D9B72568-9BE9-4240-8782-BE67DD707306}" type="datetimeFigureOut">
               <a:rPr lang="en-US" smtClean="0"/>
-              <a:t>4/25/2018</a:t>
+              <a:t>4/26/2018</a:t>
             </a:fld>
             <a:endParaRPr lang="en-US"/>
           </a:p>
@@ -10854,7 +10856,7 @@
           <a:p>
             <a:fld id="{D9B72568-9BE9-4240-8782-BE67DD707306}" type="datetimeFigureOut">
               <a:rPr lang="en-US" smtClean="0"/>
-              <a:t>4/25/2018</a:t>
+              <a:t>4/26/2018</a:t>
             </a:fld>
             <a:endParaRPr lang="en-US"/>
           </a:p>
@@ -11180,7 +11182,7 @@
           <a:p>
             <a:fld id="{D9B72568-9BE9-4240-8782-BE67DD707306}" type="datetimeFigureOut">
               <a:rPr lang="en-US" smtClean="0"/>
-              <a:t>4/25/2018</a:t>
+              <a:t>4/26/2018</a:t>
             </a:fld>
             <a:endParaRPr lang="en-US"/>
           </a:p>
@@ -11631,7 +11633,7 @@
           <a:p>
             <a:fld id="{D9B72568-9BE9-4240-8782-BE67DD707306}" type="datetimeFigureOut">
               <a:rPr lang="en-US" smtClean="0"/>
-              <a:t>4/25/2018</a:t>
+              <a:t>4/26/2018</a:t>
             </a:fld>
             <a:endParaRPr lang="en-US"/>
           </a:p>
@@ -11749,7 +11751,7 @@
           <a:p>
             <a:fld id="{D9B72568-9BE9-4240-8782-BE67DD707306}" type="datetimeFigureOut">
               <a:rPr lang="en-US" smtClean="0"/>
-              <a:t>4/25/2018</a:t>
+              <a:t>4/26/2018</a:t>
             </a:fld>
             <a:endParaRPr lang="en-US"/>
           </a:p>
@@ -11844,7 +11846,7 @@
           <a:p>
             <a:fld id="{D9B72568-9BE9-4240-8782-BE67DD707306}" type="datetimeFigureOut">
               <a:rPr lang="en-US" smtClean="0"/>
-              <a:t>4/25/2018</a:t>
+              <a:t>4/26/2018</a:t>
             </a:fld>
             <a:endParaRPr lang="en-US"/>
           </a:p>
@@ -12131,7 +12133,7 @@
           <a:p>
             <a:fld id="{D9B72568-9BE9-4240-8782-BE67DD707306}" type="datetimeFigureOut">
               <a:rPr lang="en-US" smtClean="0"/>
-              <a:t>4/25/2018</a:t>
+              <a:t>4/26/2018</a:t>
             </a:fld>
             <a:endParaRPr lang="en-US"/>
           </a:p>
@@ -12453,7 +12455,7 @@
           <a:p>
             <a:fld id="{D9B72568-9BE9-4240-8782-BE67DD707306}" type="datetimeFigureOut">
               <a:rPr lang="en-US" smtClean="0"/>
-              <a:t>4/25/2018</a:t>
+              <a:t>4/26/2018</a:t>
             </a:fld>
             <a:endParaRPr lang="en-US"/>
           </a:p>
@@ -12707,7 +12709,7 @@
           <a:p>
             <a:fld id="{D9B72568-9BE9-4240-8782-BE67DD707306}" type="datetimeFigureOut">
               <a:rPr lang="en-US" smtClean="0"/>
-              <a:t>4/25/2018</a:t>
+              <a:t>4/26/2018</a:t>
             </a:fld>
             <a:endParaRPr lang="en-US"/>
           </a:p>
@@ -13617,6 +13619,300 @@
           <p:cNvPr id="2" name="Title 1">
             <a:extLst>
               <a:ext uri="{FF2B5EF4-FFF2-40B4-BE49-F238E27FC236}">
+                <a16:creationId xmlns:a16="http://schemas.microsoft.com/office/drawing/2014/main" id="{0F96C297-CD0B-4284-BBBB-610802852E95}"/>
+              </a:ext>
+            </a:extLst>
+          </p:cNvPr>
+          <p:cNvSpPr>
+            <a:spLocks noGrp="1"/>
+          </p:cNvSpPr>
+          <p:nvPr>
+            <p:ph type="title"/>
+          </p:nvPr>
+        </p:nvSpPr>
+        <p:spPr/>
+        <p:txBody>
+          <a:bodyPr/>
+          <a:lstStyle/>
+          <a:p>
+            <a:r>
+              <a:rPr lang="en-US" dirty="0"/>
+              <a:t>Validations: Subreddit Sentiments</a:t>
+            </a:r>
+          </a:p>
+        </p:txBody>
+      </p:sp>
+      <p:pic>
+        <p:nvPicPr>
+          <p:cNvPr id="4" name="Picture 3">
+            <a:extLst>
+              <a:ext uri="{FF2B5EF4-FFF2-40B4-BE49-F238E27FC236}">
+                <a16:creationId xmlns:a16="http://schemas.microsoft.com/office/drawing/2014/main" id="{DA422C06-ED1D-4A19-91AC-AA2BBD9D76CC}"/>
+              </a:ext>
+            </a:extLst>
+          </p:cNvPr>
+          <p:cNvPicPr>
+            <a:picLocks noChangeAspect="1"/>
+          </p:cNvPicPr>
+          <p:nvPr/>
+        </p:nvPicPr>
+        <p:blipFill>
+          <a:blip r:embed="rId2"/>
+          <a:stretch>
+            <a:fillRect/>
+          </a:stretch>
+        </p:blipFill>
+        <p:spPr>
+          <a:xfrm>
+            <a:off x="550495" y="1945958"/>
+            <a:ext cx="5045319" cy="4420350"/>
+          </a:xfrm>
+          <a:prstGeom prst="rect">
+            <a:avLst/>
+          </a:prstGeom>
+          <a:ln w="38100" cap="sq">
+            <a:solidFill>
+              <a:srgbClr val="000000"/>
+            </a:solidFill>
+            <a:prstDash val="solid"/>
+            <a:miter lim="800000"/>
+          </a:ln>
+          <a:effectLst>
+            <a:outerShdw blurRad="50800" dist="38100" dir="2700000" algn="tl" rotWithShape="0">
+              <a:srgbClr val="000000">
+                <a:alpha val="43000"/>
+              </a:srgbClr>
+            </a:outerShdw>
+          </a:effectLst>
+        </p:spPr>
+      </p:pic>
+      <p:pic>
+        <p:nvPicPr>
+          <p:cNvPr id="6" name="Picture 5">
+            <a:extLst>
+              <a:ext uri="{FF2B5EF4-FFF2-40B4-BE49-F238E27FC236}">
+                <a16:creationId xmlns:a16="http://schemas.microsoft.com/office/drawing/2014/main" id="{04ADE8C3-3138-4CB2-AB75-499A90148085}"/>
+              </a:ext>
+            </a:extLst>
+          </p:cNvPr>
+          <p:cNvPicPr>
+            <a:picLocks noChangeAspect="1"/>
+          </p:cNvPicPr>
+          <p:nvPr/>
+        </p:nvPicPr>
+        <p:blipFill>
+          <a:blip r:embed="rId3"/>
+          <a:stretch>
+            <a:fillRect/>
+          </a:stretch>
+        </p:blipFill>
+        <p:spPr>
+          <a:xfrm>
+            <a:off x="6033614" y="1945958"/>
+            <a:ext cx="4743801" cy="4446715"/>
+          </a:xfrm>
+          <a:prstGeom prst="rect">
+            <a:avLst/>
+          </a:prstGeom>
+          <a:ln w="38100" cap="sq">
+            <a:solidFill>
+              <a:srgbClr val="000000"/>
+            </a:solidFill>
+            <a:prstDash val="solid"/>
+            <a:miter lim="800000"/>
+          </a:ln>
+          <a:effectLst>
+            <a:outerShdw blurRad="50800" dist="38100" dir="2700000" algn="tl" rotWithShape="0">
+              <a:srgbClr val="000000">
+                <a:alpha val="43000"/>
+              </a:srgbClr>
+            </a:outerShdw>
+          </a:effectLst>
+        </p:spPr>
+      </p:pic>
+    </p:spTree>
+    <p:extLst>
+      <p:ext uri="{BB962C8B-B14F-4D97-AF65-F5344CB8AC3E}">
+        <p14:creationId xmlns:p14="http://schemas.microsoft.com/office/powerpoint/2010/main" val="3543361419"/>
+      </p:ext>
+    </p:extLst>
+  </p:cSld>
+  <p:clrMapOvr>
+    <a:masterClrMapping/>
+  </p:clrMapOvr>
+</p:sld>
+</file>
+
+<file path=ppt/slides/slide13.xml><?xml version="1.0" encoding="utf-8"?>
+<p:sld xmlns:a="http://schemas.openxmlformats.org/drawingml/2006/main" xmlns:r="http://schemas.openxmlformats.org/officeDocument/2006/relationships" xmlns:p="http://schemas.openxmlformats.org/presentationml/2006/main">
+  <p:cSld>
+    <p:spTree>
+      <p:nvGrpSpPr>
+        <p:cNvPr id="1" name=""/>
+        <p:cNvGrpSpPr/>
+        <p:nvPr/>
+      </p:nvGrpSpPr>
+      <p:grpSpPr>
+        <a:xfrm>
+          <a:off x="0" y="0"/>
+          <a:ext cx="0" cy="0"/>
+          <a:chOff x="0" y="0"/>
+          <a:chExt cx="0" cy="0"/>
+        </a:xfrm>
+      </p:grpSpPr>
+      <p:sp>
+        <p:nvSpPr>
+          <p:cNvPr id="2" name="Title 1">
+            <a:extLst>
+              <a:ext uri="{FF2B5EF4-FFF2-40B4-BE49-F238E27FC236}">
+                <a16:creationId xmlns:a16="http://schemas.microsoft.com/office/drawing/2014/main" id="{0F96C297-CD0B-4284-BBBB-610802852E95}"/>
+              </a:ext>
+            </a:extLst>
+          </p:cNvPr>
+          <p:cNvSpPr>
+            <a:spLocks noGrp="1"/>
+          </p:cNvSpPr>
+          <p:nvPr>
+            <p:ph type="title"/>
+          </p:nvPr>
+        </p:nvSpPr>
+        <p:spPr/>
+        <p:txBody>
+          <a:bodyPr>
+            <a:normAutofit/>
+          </a:bodyPr>
+          <a:lstStyle/>
+          <a:p>
+            <a:r>
+              <a:rPr lang="en-US" sz="4000" dirty="0"/>
+              <a:t>Validations: Top Subreddit Sentiments</a:t>
+            </a:r>
+          </a:p>
+        </p:txBody>
+      </p:sp>
+      <p:pic>
+        <p:nvPicPr>
+          <p:cNvPr id="3" name="Picture 2">
+            <a:extLst>
+              <a:ext uri="{FF2B5EF4-FFF2-40B4-BE49-F238E27FC236}">
+                <a16:creationId xmlns:a16="http://schemas.microsoft.com/office/drawing/2014/main" id="{06322F89-5393-4243-80DC-C48A88021D45}"/>
+              </a:ext>
+            </a:extLst>
+          </p:cNvPr>
+          <p:cNvPicPr>
+            <a:picLocks noChangeAspect="1"/>
+          </p:cNvPicPr>
+          <p:nvPr/>
+        </p:nvPicPr>
+        <p:blipFill>
+          <a:blip r:embed="rId2"/>
+          <a:stretch>
+            <a:fillRect/>
+          </a:stretch>
+        </p:blipFill>
+        <p:spPr>
+          <a:xfrm>
+            <a:off x="650752" y="1845164"/>
+            <a:ext cx="4810125" cy="4324350"/>
+          </a:xfrm>
+          <a:prstGeom prst="rect">
+            <a:avLst/>
+          </a:prstGeom>
+          <a:ln w="38100" cap="sq">
+            <a:solidFill>
+              <a:srgbClr val="000000"/>
+            </a:solidFill>
+            <a:prstDash val="solid"/>
+            <a:miter lim="800000"/>
+          </a:ln>
+          <a:effectLst>
+            <a:outerShdw blurRad="50800" dist="38100" dir="2700000" algn="tl" rotWithShape="0">
+              <a:srgbClr val="000000">
+                <a:alpha val="43000"/>
+              </a:srgbClr>
+            </a:outerShdw>
+          </a:effectLst>
+        </p:spPr>
+      </p:pic>
+      <p:pic>
+        <p:nvPicPr>
+          <p:cNvPr id="5" name="Picture 4">
+            <a:extLst>
+              <a:ext uri="{FF2B5EF4-FFF2-40B4-BE49-F238E27FC236}">
+                <a16:creationId xmlns:a16="http://schemas.microsoft.com/office/drawing/2014/main" id="{EE1F8A56-EA39-4EFA-9C64-3AD45DF4C2D9}"/>
+              </a:ext>
+            </a:extLst>
+          </p:cNvPr>
+          <p:cNvPicPr>
+            <a:picLocks noChangeAspect="1"/>
+          </p:cNvPicPr>
+          <p:nvPr/>
+        </p:nvPicPr>
+        <p:blipFill>
+          <a:blip r:embed="rId3"/>
+          <a:stretch>
+            <a:fillRect/>
+          </a:stretch>
+        </p:blipFill>
+        <p:spPr>
+          <a:xfrm>
+            <a:off x="5918229" y="1845164"/>
+            <a:ext cx="4897691" cy="4324350"/>
+          </a:xfrm>
+          <a:prstGeom prst="rect">
+            <a:avLst/>
+          </a:prstGeom>
+          <a:ln w="38100" cap="sq">
+            <a:solidFill>
+              <a:srgbClr val="000000"/>
+            </a:solidFill>
+            <a:prstDash val="solid"/>
+            <a:miter lim="800000"/>
+          </a:ln>
+          <a:effectLst>
+            <a:outerShdw blurRad="50800" dist="38100" dir="2700000" algn="tl" rotWithShape="0">
+              <a:srgbClr val="000000">
+                <a:alpha val="43000"/>
+              </a:srgbClr>
+            </a:outerShdw>
+          </a:effectLst>
+        </p:spPr>
+      </p:pic>
+    </p:spTree>
+    <p:extLst>
+      <p:ext uri="{BB962C8B-B14F-4D97-AF65-F5344CB8AC3E}">
+        <p14:creationId xmlns:p14="http://schemas.microsoft.com/office/powerpoint/2010/main" val="1469588587"/>
+      </p:ext>
+    </p:extLst>
+  </p:cSld>
+  <p:clrMapOvr>
+    <a:masterClrMapping/>
+  </p:clrMapOvr>
+</p:sld>
+</file>
+
+<file path=ppt/slides/slide14.xml><?xml version="1.0" encoding="utf-8"?>
+<p:sld xmlns:a="http://schemas.openxmlformats.org/drawingml/2006/main" xmlns:r="http://schemas.openxmlformats.org/officeDocument/2006/relationships" xmlns:p="http://schemas.openxmlformats.org/presentationml/2006/main">
+  <p:cSld>
+    <p:spTree>
+      <p:nvGrpSpPr>
+        <p:cNvPr id="1" name=""/>
+        <p:cNvGrpSpPr/>
+        <p:nvPr/>
+      </p:nvGrpSpPr>
+      <p:grpSpPr>
+        <a:xfrm>
+          <a:off x="0" y="0"/>
+          <a:ext cx="0" cy="0"/>
+          <a:chOff x="0" y="0"/>
+          <a:chExt cx="0" cy="0"/>
+        </a:xfrm>
+      </p:grpSpPr>
+      <p:sp>
+        <p:nvSpPr>
+          <p:cNvPr id="2" name="Title 1">
+            <a:extLst>
+              <a:ext uri="{FF2B5EF4-FFF2-40B4-BE49-F238E27FC236}">
                 <a16:creationId xmlns:a16="http://schemas.microsoft.com/office/drawing/2014/main" id="{735D2D2B-CD05-4EA1-BE46-40B91AC55356}"/>
               </a:ext>
             </a:extLst>
@@ -13783,7 +14079,7 @@
 </p:sld>
 </file>
 
-<file path=ppt/slides/slide13.xml><?xml version="1.0" encoding="utf-8"?>
+<file path=ppt/slides/slide15.xml><?xml version="1.0" encoding="utf-8"?>
 <p:sld xmlns:a="http://schemas.openxmlformats.org/drawingml/2006/main" xmlns:r="http://schemas.openxmlformats.org/officeDocument/2006/relationships" xmlns:p="http://schemas.openxmlformats.org/presentationml/2006/main">
   <p:cSld>
     <p:spTree>
@@ -14015,7 +14311,7 @@
 </p:sld>
 </file>
 
-<file path=ppt/slides/slide14.xml><?xml version="1.0" encoding="utf-8"?>
+<file path=ppt/slides/slide16.xml><?xml version="1.0" encoding="utf-8"?>
 <p:sld xmlns:a="http://schemas.openxmlformats.org/drawingml/2006/main" xmlns:r="http://schemas.openxmlformats.org/officeDocument/2006/relationships" xmlns:p="http://schemas.openxmlformats.org/presentationml/2006/main">
   <p:cSld>
     <p:spTree>
@@ -14203,7 +14499,7 @@
 </p:sld>
 </file>
 
-<file path=ppt/slides/slide15.xml><?xml version="1.0" encoding="utf-8"?>
+<file path=ppt/slides/slide17.xml><?xml version="1.0" encoding="utf-8"?>
 <p:sld xmlns:a="http://schemas.openxmlformats.org/drawingml/2006/main" xmlns:r="http://schemas.openxmlformats.org/officeDocument/2006/relationships" xmlns:p="http://schemas.openxmlformats.org/presentationml/2006/main">
   <p:cSld>
     <p:spTree>
@@ -14472,7 +14768,7 @@
 </p:sld>
 </file>
 
-<file path=ppt/slides/slide16.xml><?xml version="1.0" encoding="utf-8"?>
+<file path=ppt/slides/slide18.xml><?xml version="1.0" encoding="utf-8"?>
 <p:sld xmlns:a="http://schemas.openxmlformats.org/drawingml/2006/main" xmlns:r="http://schemas.openxmlformats.org/officeDocument/2006/relationships" xmlns:p="http://schemas.openxmlformats.org/presentationml/2006/main">
   <p:cSld>
     <p:spTree>
@@ -16560,24 +16856,117 @@
           <a:bodyPr/>
           <a:lstStyle/>
           <a:p>
+            <a:pPr>
+              <a:buFont typeface="Courier New" panose="02070309020205020404" pitchFamily="49" charset="0"/>
+              <a:buChar char="o"/>
+            </a:pPr>
             <a:r>
               <a:rPr lang="en-US" dirty="0"/>
-              <a:t>Reddit API: </a:t>
+              <a:t>Reddit RESTful API (</a:t>
             </a:r>
-          </a:p>
-          <a:p>
+            <a:r>
+              <a:rPr lang="en-US" dirty="0">
+                <a:hlinkClick r:id="rId2"/>
+              </a:rPr>
+              <a:t>https://www.reddit.com/wiki/api</a:t>
+            </a:r>
             <a:r>
               <a:rPr lang="en-US" dirty="0"/>
-              <a:t>PRAW API wrapper:</a:t>
+              <a:t>):</a:t>
             </a:r>
           </a:p>
           <a:p>
+            <a:pPr lvl="1">
+              <a:buFont typeface="Wingdings" panose="05000000000000000000" pitchFamily="2" charset="2"/>
+              <a:buChar char="§"/>
+            </a:pPr>
+            <a:r>
+              <a:rPr lang="en-US" dirty="0"/>
+              <a:t>Requires a Reddit developer account for an API Client ID and Client Secret Key</a:t>
+            </a:r>
+          </a:p>
+          <a:p>
+            <a:pPr lvl="1">
+              <a:buFont typeface="Wingdings" panose="05000000000000000000" pitchFamily="2" charset="2"/>
+              <a:buChar char="§"/>
+            </a:pPr>
+            <a:r>
+              <a:rPr lang="en-US" dirty="0"/>
+              <a:t>Free usage – up to 60 requests per minute</a:t>
+            </a:r>
+          </a:p>
+          <a:p>
+            <a:pPr lvl="1">
+              <a:buFont typeface="Wingdings" panose="05000000000000000000" pitchFamily="2" charset="2"/>
+              <a:buChar char="§"/>
+            </a:pPr>
+            <a:r>
+              <a:rPr lang="en-US" dirty="0"/>
+              <a:t>Great documentation</a:t>
+            </a:r>
+          </a:p>
+          <a:p>
+            <a:pPr>
+              <a:buFont typeface="Courier New" panose="02070309020205020404" pitchFamily="49" charset="0"/>
+              <a:buChar char="o"/>
+            </a:pPr>
+            <a:r>
+              <a:rPr lang="en-US" dirty="0"/>
+              <a:t>PRAW Python Reddit API wrapper (</a:t>
+            </a:r>
+            <a:r>
+              <a:rPr lang="en-US" dirty="0">
+                <a:hlinkClick r:id="rId3"/>
+              </a:rPr>
+              <a:t>https://praw.readthedocs.io/en/latest</a:t>
+            </a:r>
+            <a:r>
+              <a:rPr lang="en-US" dirty="0"/>
+              <a:t>):</a:t>
+            </a:r>
+          </a:p>
+          <a:p>
+            <a:pPr lvl="1">
+              <a:buFont typeface="Wingdings" panose="05000000000000000000" pitchFamily="2" charset="2"/>
+              <a:buChar char="§"/>
+            </a:pPr>
+            <a:r>
+              <a:rPr lang="en-US" dirty="0"/>
+              <a:t>Only requires basic understanding of Reddit.com</a:t>
+            </a:r>
+          </a:p>
+          <a:p>
+            <a:pPr lvl="1">
+              <a:buFont typeface="Wingdings" panose="05000000000000000000" pitchFamily="2" charset="2"/>
+              <a:buChar char="§"/>
+            </a:pPr>
+            <a:endParaRPr lang="en-US" dirty="0"/>
+          </a:p>
+          <a:p>
+            <a:pPr lvl="1">
+              <a:buFont typeface="Wingdings" panose="05000000000000000000" pitchFamily="2" charset="2"/>
+              <a:buChar char="§"/>
+            </a:pPr>
+            <a:r>
+              <a:rPr lang="en-US" dirty="0"/>
+              <a:t>Also great documentation</a:t>
+            </a:r>
+          </a:p>
+          <a:p>
+            <a:pPr>
+              <a:buFont typeface="Courier New" panose="02070309020205020404" pitchFamily="49" charset="0"/>
+              <a:buChar char="o"/>
+            </a:pPr>
             <a:r>
               <a:rPr lang="en-US" dirty="0"/>
               <a:t>Data cleansing:</a:t>
             </a:r>
           </a:p>
           <a:p>
+            <a:pPr>
+              <a:buFont typeface="Courier New" panose="02070309020205020404" pitchFamily="49" charset="0"/>
+              <a:buChar char="o"/>
+            </a:pPr>
             <a:r>
               <a:rPr lang="en-US" dirty="0"/>
               <a:t>Storage:</a:t>

--- a/NetworkRecommendationEngine_Capstone_LZHAO.pptx
+++ b/NetworkRecommendationEngine_Capstone_LZHAO.pptx
@@ -21,8 +21,8 @@
     <p:sldId id="267" r:id="rId15"/>
     <p:sldId id="268" r:id="rId16"/>
     <p:sldId id="269" r:id="rId17"/>
-    <p:sldId id="262" r:id="rId18"/>
-    <p:sldId id="261" r:id="rId19"/>
+    <p:sldId id="261" r:id="rId18"/>
+    <p:sldId id="274" r:id="rId19"/>
   </p:sldIdLst>
   <p:sldSz cx="12192000" cy="6858000"/>
   <p:notesSz cx="6858000" cy="9144000"/>
@@ -13317,7 +13317,7 @@
           <a:p>
             <a:r>
               <a:rPr lang="en-US" sz="4000" dirty="0"/>
-              <a:t>Recommendation systems aren’t perfect</a:t>
+              <a:t>Implementation: Validate</a:t>
             </a:r>
           </a:p>
         </p:txBody>
@@ -13412,10 +13412,10 @@
       </p:sp>
       <p:pic>
         <p:nvPicPr>
-          <p:cNvPr id="5" name="Picture 4">
+          <p:cNvPr id="7" name="Picture 6">
             <a:extLst>
               <a:ext uri="{FF2B5EF4-FFF2-40B4-BE49-F238E27FC236}">
-                <a16:creationId xmlns:a16="http://schemas.microsoft.com/office/drawing/2014/main" id="{EC7482BD-F94C-4EF4-9A2F-5E09D394ACDB}"/>
+                <a16:creationId xmlns:a16="http://schemas.microsoft.com/office/drawing/2014/main" id="{87D376F4-E703-45D8-9D28-920EB54E83B1}"/>
               </a:ext>
             </a:extLst>
           </p:cNvPr>
@@ -13432,96 +13432,8 @@
         </p:blipFill>
         <p:spPr>
           <a:xfrm>
-            <a:off x="6279581" y="1925382"/>
-            <a:ext cx="1626206" cy="4566858"/>
-          </a:xfrm>
-          <a:prstGeom prst="rect">
-            <a:avLst/>
-          </a:prstGeom>
-          <a:ln w="38100" cap="sq">
-            <a:solidFill>
-              <a:srgbClr val="000000"/>
-            </a:solidFill>
-            <a:prstDash val="solid"/>
-            <a:miter lim="800000"/>
-          </a:ln>
-          <a:effectLst>
-            <a:outerShdw blurRad="50800" dist="38100" dir="2700000" algn="tl" rotWithShape="0">
-              <a:srgbClr val="000000">
-                <a:alpha val="43000"/>
-              </a:srgbClr>
-            </a:outerShdw>
-          </a:effectLst>
-        </p:spPr>
-      </p:pic>
-      <p:pic>
-        <p:nvPicPr>
-          <p:cNvPr id="6" name="Picture 5">
-            <a:extLst>
-              <a:ext uri="{FF2B5EF4-FFF2-40B4-BE49-F238E27FC236}">
-                <a16:creationId xmlns:a16="http://schemas.microsoft.com/office/drawing/2014/main" id="{04BA0A53-4102-435B-B6F3-0AFD360729F8}"/>
-              </a:ext>
-            </a:extLst>
-          </p:cNvPr>
-          <p:cNvPicPr>
-            <a:picLocks noChangeAspect="1"/>
-          </p:cNvPicPr>
-          <p:nvPr/>
-        </p:nvPicPr>
-        <p:blipFill>
-          <a:blip r:embed="rId3"/>
-          <a:stretch>
-            <a:fillRect/>
-          </a:stretch>
-        </p:blipFill>
-        <p:spPr>
-          <a:xfrm>
-            <a:off x="8481365" y="1922225"/>
-            <a:ext cx="1691333" cy="4570015"/>
-          </a:xfrm>
-          <a:prstGeom prst="rect">
-            <a:avLst/>
-          </a:prstGeom>
-          <a:ln w="38100" cap="sq">
-            <a:solidFill>
-              <a:srgbClr val="000000"/>
-            </a:solidFill>
-            <a:prstDash val="solid"/>
-            <a:miter lim="800000"/>
-          </a:ln>
-          <a:effectLst>
-            <a:outerShdw blurRad="50800" dist="38100" dir="2700000" algn="tl" rotWithShape="0">
-              <a:srgbClr val="000000">
-                <a:alpha val="43000"/>
-              </a:srgbClr>
-            </a:outerShdw>
-          </a:effectLst>
-        </p:spPr>
-      </p:pic>
-      <p:pic>
-        <p:nvPicPr>
-          <p:cNvPr id="7" name="Picture 6">
-            <a:extLst>
-              <a:ext uri="{FF2B5EF4-FFF2-40B4-BE49-F238E27FC236}">
-                <a16:creationId xmlns:a16="http://schemas.microsoft.com/office/drawing/2014/main" id="{87D376F4-E703-45D8-9D28-920EB54E83B1}"/>
-              </a:ext>
-            </a:extLst>
-          </p:cNvPr>
-          <p:cNvPicPr>
-            <a:picLocks noChangeAspect="1"/>
-          </p:cNvPicPr>
-          <p:nvPr/>
-        </p:nvPicPr>
-        <p:blipFill>
-          <a:blip r:embed="rId4"/>
-          <a:stretch>
-            <a:fillRect/>
-          </a:stretch>
-        </p:blipFill>
-        <p:spPr>
-          <a:xfrm>
-            <a:off x="623137" y="2930618"/>
-            <a:ext cx="5080866" cy="2011176"/>
+            <a:off x="1328698" y="2965075"/>
+            <a:ext cx="4467257" cy="1768289"/>
           </a:xfrm>
           <a:prstGeom prst="rect">
             <a:avLst/>
@@ -13576,11 +13488,177 @@
             </a:r>
             <a:r>
               <a:rPr lang="en-US" sz="1400" dirty="0">
-                <a:hlinkClick r:id="rId5"/>
+                <a:hlinkClick r:id="rId3"/>
               </a:rPr>
               <a:t>https://github.com/iamjz/matcher/</a:t>
             </a:r>
             <a:endParaRPr lang="en-US" sz="1400" dirty="0"/>
+          </a:p>
+        </p:txBody>
+      </p:sp>
+      <p:pic>
+        <p:nvPicPr>
+          <p:cNvPr id="4" name="Picture 3">
+            <a:extLst>
+              <a:ext uri="{FF2B5EF4-FFF2-40B4-BE49-F238E27FC236}">
+                <a16:creationId xmlns:a16="http://schemas.microsoft.com/office/drawing/2014/main" id="{FA752455-452F-4865-83AE-56B1EBCA3AE3}"/>
+              </a:ext>
+            </a:extLst>
+          </p:cNvPr>
+          <p:cNvPicPr>
+            <a:picLocks noChangeAspect="1"/>
+          </p:cNvPicPr>
+          <p:nvPr/>
+        </p:nvPicPr>
+        <p:blipFill>
+          <a:blip r:embed="rId4"/>
+          <a:stretch>
+            <a:fillRect/>
+          </a:stretch>
+        </p:blipFill>
+        <p:spPr>
+          <a:xfrm>
+            <a:off x="6412207" y="2074881"/>
+            <a:ext cx="1313495" cy="4417359"/>
+          </a:xfrm>
+          <a:prstGeom prst="rect">
+            <a:avLst/>
+          </a:prstGeom>
+          <a:ln w="38100" cap="sq">
+            <a:solidFill>
+              <a:srgbClr val="000000"/>
+            </a:solidFill>
+            <a:prstDash val="solid"/>
+            <a:miter lim="800000"/>
+          </a:ln>
+          <a:effectLst>
+            <a:outerShdw blurRad="50800" dist="38100" dir="2700000" algn="tl" rotWithShape="0">
+              <a:srgbClr val="000000">
+                <a:alpha val="43000"/>
+              </a:srgbClr>
+            </a:outerShdw>
+          </a:effectLst>
+        </p:spPr>
+      </p:pic>
+      <p:pic>
+        <p:nvPicPr>
+          <p:cNvPr id="9" name="Picture 8">
+            <a:extLst>
+              <a:ext uri="{FF2B5EF4-FFF2-40B4-BE49-F238E27FC236}">
+                <a16:creationId xmlns:a16="http://schemas.microsoft.com/office/drawing/2014/main" id="{EAF412AF-9B17-4207-B24C-5BD7CEBE55AC}"/>
+              </a:ext>
+            </a:extLst>
+          </p:cNvPr>
+          <p:cNvPicPr>
+            <a:picLocks noChangeAspect="1"/>
+          </p:cNvPicPr>
+          <p:nvPr/>
+        </p:nvPicPr>
+        <p:blipFill>
+          <a:blip r:embed="rId5"/>
+          <a:stretch>
+            <a:fillRect/>
+          </a:stretch>
+        </p:blipFill>
+        <p:spPr>
+          <a:xfrm>
+            <a:off x="8341954" y="2074881"/>
+            <a:ext cx="1298232" cy="4417359"/>
+          </a:xfrm>
+          <a:prstGeom prst="rect">
+            <a:avLst/>
+          </a:prstGeom>
+          <a:ln w="38100" cap="sq">
+            <a:solidFill>
+              <a:srgbClr val="000000"/>
+            </a:solidFill>
+            <a:prstDash val="solid"/>
+            <a:miter lim="800000"/>
+          </a:ln>
+          <a:effectLst>
+            <a:outerShdw blurRad="50800" dist="38100" dir="2700000" algn="tl" rotWithShape="0">
+              <a:srgbClr val="000000">
+                <a:alpha val="43000"/>
+              </a:srgbClr>
+            </a:outerShdw>
+          </a:effectLst>
+        </p:spPr>
+      </p:pic>
+      <p:sp>
+        <p:nvSpPr>
+          <p:cNvPr id="10" name="TextBox 9">
+            <a:extLst>
+              <a:ext uri="{FF2B5EF4-FFF2-40B4-BE49-F238E27FC236}">
+                <a16:creationId xmlns:a16="http://schemas.microsoft.com/office/drawing/2014/main" id="{FFC411CF-07B4-48AE-B084-09A6731BB48A}"/>
+              </a:ext>
+            </a:extLst>
+          </p:cNvPr>
+          <p:cNvSpPr txBox="1"/>
+          <p:nvPr/>
+        </p:nvSpPr>
+        <p:spPr>
+          <a:xfrm>
+            <a:off x="6465155" y="1609727"/>
+            <a:ext cx="1260547" cy="369332"/>
+          </a:xfrm>
+          <a:prstGeom prst="rect">
+            <a:avLst/>
+          </a:prstGeom>
+          <a:noFill/>
+        </p:spPr>
+        <p:txBody>
+          <a:bodyPr wrap="square" rtlCol="0">
+            <a:spAutoFit/>
+          </a:bodyPr>
+          <a:lstStyle/>
+          <a:p>
+            <a:r>
+              <a:rPr lang="en-US" dirty="0">
+                <a:solidFill>
+                  <a:srgbClr val="0070C0"/>
+                </a:solidFill>
+              </a:rPr>
+              <a:t>Max_W_</a:t>
+            </a:r>
+          </a:p>
+        </p:txBody>
+      </p:sp>
+      <p:sp>
+        <p:nvSpPr>
+          <p:cNvPr id="11" name="TextBox 10">
+            <a:extLst>
+              <a:ext uri="{FF2B5EF4-FFF2-40B4-BE49-F238E27FC236}">
+                <a16:creationId xmlns:a16="http://schemas.microsoft.com/office/drawing/2014/main" id="{7480FA1A-135E-4CBA-8B7D-39C39340CF26}"/>
+              </a:ext>
+            </a:extLst>
+          </p:cNvPr>
+          <p:cNvSpPr txBox="1"/>
+          <p:nvPr/>
+        </p:nvSpPr>
+        <p:spPr>
+          <a:xfrm>
+            <a:off x="8211597" y="1609727"/>
+            <a:ext cx="1558945" cy="369332"/>
+          </a:xfrm>
+          <a:prstGeom prst="rect">
+            <a:avLst/>
+          </a:prstGeom>
+          <a:noFill/>
+        </p:spPr>
+        <p:txBody>
+          <a:bodyPr wrap="square" rtlCol="0">
+            <a:spAutoFit/>
+          </a:bodyPr>
+          <a:lstStyle/>
+          <a:p>
+            <a:r>
+              <a:rPr lang="en-US" dirty="0">
+                <a:solidFill>
+                  <a:srgbClr val="C00000"/>
+                </a:solidFill>
+              </a:rPr>
+              <a:t>BrettGilpin</a:t>
+            </a:r>
           </a:p>
         </p:txBody>
       </p:sp>
@@ -13730,6 +13808,48 @@
           </a:effectLst>
         </p:spPr>
       </p:pic>
+      <p:sp>
+        <p:nvSpPr>
+          <p:cNvPr id="5" name="TextBox 4">
+            <a:extLst>
+              <a:ext uri="{FF2B5EF4-FFF2-40B4-BE49-F238E27FC236}">
+                <a16:creationId xmlns:a16="http://schemas.microsoft.com/office/drawing/2014/main" id="{4F9968F4-D0B8-4959-94C0-788BE680AB79}"/>
+              </a:ext>
+            </a:extLst>
+          </p:cNvPr>
+          <p:cNvSpPr txBox="1"/>
+          <p:nvPr/>
+        </p:nvSpPr>
+        <p:spPr>
+          <a:xfrm>
+            <a:off x="7173432" y="6550223"/>
+            <a:ext cx="4933508" cy="307777"/>
+          </a:xfrm>
+          <a:prstGeom prst="rect">
+            <a:avLst/>
+          </a:prstGeom>
+          <a:noFill/>
+        </p:spPr>
+        <p:txBody>
+          <a:bodyPr wrap="square" rtlCol="0">
+            <a:spAutoFit/>
+          </a:bodyPr>
+          <a:lstStyle/>
+          <a:p>
+            <a:r>
+              <a:rPr lang="en-US" sz="1400" b="1" dirty="0"/>
+              <a:t>View code @ </a:t>
+            </a:r>
+            <a:r>
+              <a:rPr lang="en-US" sz="1400" dirty="0">
+                <a:hlinkClick r:id="rId4"/>
+              </a:rPr>
+              <a:t>https://github.com/iamjz/matcher/</a:t>
+            </a:r>
+            <a:endParaRPr lang="en-US" sz="1400" dirty="0"/>
+          </a:p>
+        </p:txBody>
+      </p:sp>
     </p:spTree>
     <p:extLst>
       <p:ext uri="{BB962C8B-B14F-4D97-AF65-F5344CB8AC3E}">
@@ -13878,6 +13998,48 @@
           </a:effectLst>
         </p:spPr>
       </p:pic>
+      <p:sp>
+        <p:nvSpPr>
+          <p:cNvPr id="6" name="TextBox 5">
+            <a:extLst>
+              <a:ext uri="{FF2B5EF4-FFF2-40B4-BE49-F238E27FC236}">
+                <a16:creationId xmlns:a16="http://schemas.microsoft.com/office/drawing/2014/main" id="{A74B3DB7-ECD2-4DDC-A497-8B019D222DF3}"/>
+              </a:ext>
+            </a:extLst>
+          </p:cNvPr>
+          <p:cNvSpPr txBox="1"/>
+          <p:nvPr/>
+        </p:nvSpPr>
+        <p:spPr>
+          <a:xfrm>
+            <a:off x="7173432" y="6550223"/>
+            <a:ext cx="4933508" cy="307777"/>
+          </a:xfrm>
+          <a:prstGeom prst="rect">
+            <a:avLst/>
+          </a:prstGeom>
+          <a:noFill/>
+        </p:spPr>
+        <p:txBody>
+          <a:bodyPr wrap="square" rtlCol="0">
+            <a:spAutoFit/>
+          </a:bodyPr>
+          <a:lstStyle/>
+          <a:p>
+            <a:r>
+              <a:rPr lang="en-US" sz="1400" b="1" dirty="0"/>
+              <a:t>View code @ </a:t>
+            </a:r>
+            <a:r>
+              <a:rPr lang="en-US" sz="1400" dirty="0">
+                <a:hlinkClick r:id="rId4"/>
+              </a:rPr>
+              <a:t>https://github.com/iamjz/matcher/</a:t>
+            </a:r>
+            <a:endParaRPr lang="en-US" sz="1400" dirty="0"/>
+          </a:p>
+        </p:txBody>
+      </p:sp>
     </p:spTree>
     <p:extLst>
       <p:ext uri="{BB962C8B-B14F-4D97-AF65-F5344CB8AC3E}">
@@ -14378,8 +14540,8 @@
         </p:blipFill>
         <p:spPr>
           <a:xfrm>
-            <a:off x="497480" y="1977016"/>
-            <a:ext cx="3102644" cy="4071769"/>
+            <a:off x="369733" y="2061757"/>
+            <a:ext cx="2900256" cy="3806164"/>
           </a:xfrm>
           <a:prstGeom prst="rect">
             <a:avLst/>
@@ -14422,8 +14584,8 @@
         </p:blipFill>
         <p:spPr>
           <a:xfrm rot="16200000">
-            <a:off x="5676317" y="685613"/>
-            <a:ext cx="3451514" cy="6654573"/>
+            <a:off x="5367770" y="291076"/>
+            <a:ext cx="3816061" cy="7357424"/>
           </a:xfrm>
           <a:prstGeom prst="rect">
             <a:avLst/>
@@ -14500,275 +14662,6 @@
 </file>
 
 <file path=ppt/slides/slide17.xml><?xml version="1.0" encoding="utf-8"?>
-<p:sld xmlns:a="http://schemas.openxmlformats.org/drawingml/2006/main" xmlns:r="http://schemas.openxmlformats.org/officeDocument/2006/relationships" xmlns:p="http://schemas.openxmlformats.org/presentationml/2006/main">
-  <p:cSld>
-    <p:spTree>
-      <p:nvGrpSpPr>
-        <p:cNvPr id="1" name=""/>
-        <p:cNvGrpSpPr/>
-        <p:nvPr/>
-      </p:nvGrpSpPr>
-      <p:grpSpPr>
-        <a:xfrm>
-          <a:off x="0" y="0"/>
-          <a:ext cx="0" cy="0"/>
-          <a:chOff x="0" y="0"/>
-          <a:chExt cx="0" cy="0"/>
-        </a:xfrm>
-      </p:grpSpPr>
-      <p:sp>
-        <p:nvSpPr>
-          <p:cNvPr id="2" name="Title 1">
-            <a:extLst>
-              <a:ext uri="{FF2B5EF4-FFF2-40B4-BE49-F238E27FC236}">
-                <a16:creationId xmlns:a16="http://schemas.microsoft.com/office/drawing/2014/main" id="{2C4FFD0A-F92F-467A-AC77-956CECC1EF0A}"/>
-              </a:ext>
-            </a:extLst>
-          </p:cNvPr>
-          <p:cNvSpPr>
-            <a:spLocks noGrp="1"/>
-          </p:cNvSpPr>
-          <p:nvPr>
-            <p:ph type="title"/>
-          </p:nvPr>
-        </p:nvSpPr>
-        <p:spPr/>
-        <p:txBody>
-          <a:bodyPr/>
-          <a:lstStyle/>
-          <a:p>
-            <a:r>
-              <a:rPr lang="en-US" dirty="0"/>
-              <a:t>Implementation details</a:t>
-            </a:r>
-          </a:p>
-        </p:txBody>
-      </p:sp>
-      <p:sp>
-        <p:nvSpPr>
-          <p:cNvPr id="3" name="Content Placeholder 2">
-            <a:extLst>
-              <a:ext uri="{FF2B5EF4-FFF2-40B4-BE49-F238E27FC236}">
-                <a16:creationId xmlns:a16="http://schemas.microsoft.com/office/drawing/2014/main" id="{0914D93E-3B6E-45D1-BB85-661F1A66B475}"/>
-              </a:ext>
-            </a:extLst>
-          </p:cNvPr>
-          <p:cNvSpPr>
-            <a:spLocks noGrp="1"/>
-          </p:cNvSpPr>
-          <p:nvPr>
-            <p:ph idx="1"/>
-          </p:nvPr>
-        </p:nvSpPr>
-        <p:spPr/>
-        <p:txBody>
-          <a:bodyPr>
-            <a:normAutofit fontScale="92500" lnSpcReduction="10000"/>
-          </a:bodyPr>
-          <a:lstStyle/>
-          <a:p>
-            <a:pPr>
-              <a:buFont typeface="Wingdings" panose="05000000000000000000" pitchFamily="2" charset="2"/>
-              <a:buChar char="Ø"/>
-            </a:pPr>
-            <a:r>
-              <a:rPr lang="en-US" b="1" dirty="0"/>
-              <a:t>TF-IDF </a:t>
-            </a:r>
-            <a:r>
-              <a:rPr lang="en-US" dirty="0"/>
-              <a:t>(Term frequency – Inverse document frequency):</a:t>
-            </a:r>
-          </a:p>
-          <a:p>
-            <a:pPr lvl="1">
-              <a:buFont typeface="Courier New" panose="02070309020205020404" pitchFamily="49" charset="0"/>
-              <a:buChar char="o"/>
-            </a:pPr>
-            <a:r>
-              <a:rPr lang="en-US" dirty="0"/>
-              <a:t>Reflects the importance of a word to a document in a corpus. </a:t>
-            </a:r>
-          </a:p>
-          <a:p>
-            <a:pPr lvl="1">
-              <a:buFont typeface="Courier New" panose="02070309020205020404" pitchFamily="49" charset="0"/>
-              <a:buChar char="o"/>
-            </a:pPr>
-            <a:r>
-              <a:rPr lang="en-US" dirty="0"/>
-              <a:t>Adjusts for frequently used words:</a:t>
-            </a:r>
-          </a:p>
-          <a:p>
-            <a:pPr lvl="2">
-              <a:buFont typeface="Courier New" panose="02070309020205020404" pitchFamily="49" charset="0"/>
-              <a:buChar char="o"/>
-            </a:pPr>
-            <a:r>
-              <a:rPr lang="en-US" dirty="0"/>
-              <a:t>Increases by number of times a word appears in the document.</a:t>
-            </a:r>
-          </a:p>
-          <a:p>
-            <a:pPr lvl="2">
-              <a:buFont typeface="Courier New" panose="02070309020205020404" pitchFamily="49" charset="0"/>
-              <a:buChar char="o"/>
-            </a:pPr>
-            <a:r>
-              <a:rPr lang="en-US" dirty="0"/>
-              <a:t>Decreases by the frequency of the word in the corpus.</a:t>
-            </a:r>
-          </a:p>
-          <a:p>
-            <a:pPr lvl="2">
-              <a:buFont typeface="Courier New" panose="02070309020205020404" pitchFamily="49" charset="0"/>
-              <a:buChar char="o"/>
-            </a:pPr>
-            <a:endParaRPr lang="en-US" b="1" dirty="0"/>
-          </a:p>
-          <a:p>
-            <a:pPr>
-              <a:buFont typeface="Wingdings" panose="05000000000000000000" pitchFamily="2" charset="2"/>
-              <a:buChar char="Ø"/>
-            </a:pPr>
-            <a:r>
-              <a:rPr lang="en-US" b="1" dirty="0"/>
-              <a:t>Distance calculation:</a:t>
-            </a:r>
-            <a:r>
-              <a:rPr lang="en-US" dirty="0"/>
-              <a:t> Measures vector similarity</a:t>
-            </a:r>
-          </a:p>
-          <a:p>
-            <a:pPr lvl="2">
-              <a:buFont typeface="Courier New" panose="02070309020205020404" pitchFamily="49" charset="0"/>
-              <a:buChar char="o"/>
-            </a:pPr>
-            <a:r>
-              <a:rPr lang="en-US" dirty="0"/>
-              <a:t>Cosine similarity: Measures the similarity of vectors with respect to the origin</a:t>
-            </a:r>
-          </a:p>
-          <a:p>
-            <a:pPr lvl="3">
-              <a:buFont typeface="Courier New" panose="02070309020205020404" pitchFamily="49" charset="0"/>
-              <a:buChar char="o"/>
-            </a:pPr>
-            <a:r>
-              <a:rPr lang="en-US" dirty="0"/>
-              <a:t>Catches the direction of the vectors (semantic meaning) better </a:t>
-            </a:r>
-          </a:p>
-          <a:p>
-            <a:pPr lvl="2">
-              <a:buFont typeface="Courier New" panose="02070309020205020404" pitchFamily="49" charset="0"/>
-              <a:buChar char="o"/>
-            </a:pPr>
-            <a:r>
-              <a:rPr lang="en-US" dirty="0"/>
-              <a:t>Euclidean distance: Measures distance between points of interest along the vector</a:t>
-            </a:r>
-          </a:p>
-          <a:p>
-            <a:pPr lvl="3">
-              <a:buFont typeface="Courier New" panose="02070309020205020404" pitchFamily="49" charset="0"/>
-              <a:buChar char="o"/>
-            </a:pPr>
-            <a:r>
-              <a:rPr lang="en-US" dirty="0"/>
-              <a:t>Not quite as powerful for high dimensional data</a:t>
-            </a:r>
-          </a:p>
-          <a:p>
-            <a:pPr>
-              <a:buFont typeface="Wingdings" panose="05000000000000000000" pitchFamily="2" charset="2"/>
-              <a:buChar char="Ø"/>
-            </a:pPr>
-            <a:r>
-              <a:rPr lang="en-US" b="1" dirty="0"/>
-              <a:t>Next steps:</a:t>
-            </a:r>
-          </a:p>
-          <a:p>
-            <a:pPr lvl="1">
-              <a:buFont typeface="Courier New" panose="02070309020205020404" pitchFamily="49" charset="0"/>
-              <a:buChar char="o"/>
-            </a:pPr>
-            <a:r>
-              <a:rPr lang="en-US" dirty="0"/>
-              <a:t>Flask API for others to consume it</a:t>
-            </a:r>
-          </a:p>
-          <a:p>
-            <a:pPr lvl="1">
-              <a:buFont typeface="Courier New" panose="02070309020205020404" pitchFamily="49" charset="0"/>
-              <a:buChar char="o"/>
-            </a:pPr>
-            <a:r>
-              <a:rPr lang="en-US" dirty="0"/>
-              <a:t>Word2Vec – Semantic Vectors:</a:t>
-            </a:r>
-          </a:p>
-          <a:p>
-            <a:pPr lvl="2">
-              <a:buFont typeface="Courier New" panose="02070309020205020404" pitchFamily="49" charset="0"/>
-              <a:buChar char="o"/>
-            </a:pPr>
-            <a:r>
-              <a:rPr lang="en-US" b="1" dirty="0"/>
-              <a:t>Text classification: </a:t>
-            </a:r>
-            <a:r>
-              <a:rPr lang="en-US" dirty="0"/>
-              <a:t>Liberal or Conservative</a:t>
-            </a:r>
-          </a:p>
-          <a:p>
-            <a:pPr lvl="2">
-              <a:buFont typeface="Courier New" panose="02070309020205020404" pitchFamily="49" charset="0"/>
-              <a:buChar char="o"/>
-            </a:pPr>
-            <a:r>
-              <a:rPr lang="en-US" b="1" dirty="0"/>
-              <a:t>Word equation: </a:t>
-            </a:r>
-            <a:r>
-              <a:rPr lang="en-US" dirty="0"/>
-              <a:t>King + (Woman – Man) = Queen</a:t>
-            </a:r>
-          </a:p>
-          <a:p>
-            <a:pPr lvl="2">
-              <a:buFont typeface="Courier New" panose="02070309020205020404" pitchFamily="49" charset="0"/>
-              <a:buChar char="o"/>
-            </a:pPr>
-            <a:endParaRPr lang="en-US" dirty="0"/>
-          </a:p>
-          <a:p>
-            <a:pPr lvl="1">
-              <a:buFont typeface="Courier New" panose="02070309020205020404" pitchFamily="49" charset="0"/>
-              <a:buChar char="o"/>
-            </a:pPr>
-            <a:endParaRPr lang="en-US" dirty="0"/>
-          </a:p>
-        </p:txBody>
-      </p:sp>
-    </p:spTree>
-    <p:extLst>
-      <p:ext uri="{BB962C8B-B14F-4D97-AF65-F5344CB8AC3E}">
-        <p14:creationId xmlns:p14="http://schemas.microsoft.com/office/powerpoint/2010/main" val="2111535835"/>
-      </p:ext>
-    </p:extLst>
-  </p:cSld>
-  <p:clrMapOvr>
-    <a:masterClrMapping/>
-  </p:clrMapOvr>
-</p:sld>
-</file>
-
-<file path=ppt/slides/slide18.xml><?xml version="1.0" encoding="utf-8"?>
 <p:sld xmlns:a="http://schemas.openxmlformats.org/drawingml/2006/main" xmlns:r="http://schemas.openxmlformats.org/officeDocument/2006/relationships" xmlns:p="http://schemas.openxmlformats.org/presentationml/2006/main">
   <p:cSld>
     <p:spTree>
@@ -15338,6 +15231,164 @@
 </p:sld>
 </file>
 
+<file path=ppt/slides/slide18.xml><?xml version="1.0" encoding="utf-8"?>
+<p:sld xmlns:a="http://schemas.openxmlformats.org/drawingml/2006/main" xmlns:r="http://schemas.openxmlformats.org/officeDocument/2006/relationships" xmlns:p="http://schemas.openxmlformats.org/presentationml/2006/main">
+  <p:cSld>
+    <p:spTree>
+      <p:nvGrpSpPr>
+        <p:cNvPr id="1" name=""/>
+        <p:cNvGrpSpPr/>
+        <p:nvPr/>
+      </p:nvGrpSpPr>
+      <p:grpSpPr>
+        <a:xfrm>
+          <a:off x="0" y="0"/>
+          <a:ext cx="0" cy="0"/>
+          <a:chOff x="0" y="0"/>
+          <a:chExt cx="0" cy="0"/>
+        </a:xfrm>
+      </p:grpSpPr>
+      <p:sp>
+        <p:nvSpPr>
+          <p:cNvPr id="2" name="Title 1">
+            <a:extLst>
+              <a:ext uri="{FF2B5EF4-FFF2-40B4-BE49-F238E27FC236}">
+                <a16:creationId xmlns:a16="http://schemas.microsoft.com/office/drawing/2014/main" id="{AEACD9B5-5024-434F-9A09-7EB9BF1B01FA}"/>
+              </a:ext>
+            </a:extLst>
+          </p:cNvPr>
+          <p:cNvSpPr>
+            <a:spLocks noGrp="1"/>
+          </p:cNvSpPr>
+          <p:nvPr>
+            <p:ph type="title"/>
+          </p:nvPr>
+        </p:nvSpPr>
+        <p:spPr/>
+        <p:txBody>
+          <a:bodyPr/>
+          <a:lstStyle/>
+          <a:p>
+            <a:r>
+              <a:rPr lang="en-US" dirty="0"/>
+              <a:t>Just for fun…</a:t>
+            </a:r>
+          </a:p>
+        </p:txBody>
+      </p:sp>
+      <p:pic>
+        <p:nvPicPr>
+          <p:cNvPr id="4" name="Picture 3">
+            <a:extLst>
+              <a:ext uri="{FF2B5EF4-FFF2-40B4-BE49-F238E27FC236}">
+                <a16:creationId xmlns:a16="http://schemas.microsoft.com/office/drawing/2014/main" id="{6A2854F5-B3D3-4489-BA76-BBFCED649A1A}"/>
+              </a:ext>
+            </a:extLst>
+          </p:cNvPr>
+          <p:cNvPicPr>
+            <a:picLocks noChangeAspect="1"/>
+          </p:cNvPicPr>
+          <p:nvPr/>
+        </p:nvPicPr>
+        <p:blipFill>
+          <a:blip r:embed="rId2"/>
+          <a:stretch>
+            <a:fillRect/>
+          </a:stretch>
+        </p:blipFill>
+        <p:spPr>
+          <a:xfrm>
+            <a:off x="1463347" y="2077570"/>
+            <a:ext cx="5438437" cy="4165105"/>
+          </a:xfrm>
+          <a:prstGeom prst="rect">
+            <a:avLst/>
+          </a:prstGeom>
+          <a:ln w="38100" cap="sq">
+            <a:solidFill>
+              <a:srgbClr val="000000"/>
+            </a:solidFill>
+            <a:prstDash val="solid"/>
+            <a:miter lim="800000"/>
+          </a:ln>
+          <a:effectLst>
+            <a:outerShdw blurRad="50800" dist="38100" dir="2700000" algn="tl" rotWithShape="0">
+              <a:srgbClr val="000000">
+                <a:alpha val="43000"/>
+              </a:srgbClr>
+            </a:outerShdw>
+          </a:effectLst>
+        </p:spPr>
+      </p:pic>
+      <p:sp>
+        <p:nvSpPr>
+          <p:cNvPr id="5" name="TextBox 4">
+            <a:extLst>
+              <a:ext uri="{FF2B5EF4-FFF2-40B4-BE49-F238E27FC236}">
+                <a16:creationId xmlns:a16="http://schemas.microsoft.com/office/drawing/2014/main" id="{4F0A5A72-9780-4AFB-83F2-FAA4B054D9F9}"/>
+              </a:ext>
+            </a:extLst>
+          </p:cNvPr>
+          <p:cNvSpPr txBox="1"/>
+          <p:nvPr/>
+        </p:nvSpPr>
+        <p:spPr>
+          <a:xfrm>
+            <a:off x="7126942" y="3818966"/>
+            <a:ext cx="3287806" cy="2477601"/>
+          </a:xfrm>
+          <a:prstGeom prst="rect">
+            <a:avLst/>
+          </a:prstGeom>
+          <a:noFill/>
+        </p:spPr>
+        <p:txBody>
+          <a:bodyPr wrap="square" rtlCol="0">
+            <a:spAutoFit/>
+          </a:bodyPr>
+          <a:lstStyle/>
+          <a:p>
+            <a:r>
+              <a:rPr lang="en-US" dirty="0"/>
+              <a:t>Sentiment of a University of Michigan fan on a college football subreddit.</a:t>
+            </a:r>
+          </a:p>
+          <a:p>
+            <a:endParaRPr lang="en-US" dirty="0"/>
+          </a:p>
+          <a:p>
+            <a:endParaRPr lang="en-US" dirty="0"/>
+          </a:p>
+          <a:p>
+            <a:endParaRPr lang="en-US" dirty="0"/>
+          </a:p>
+          <a:p>
+            <a:endParaRPr lang="en-US" dirty="0"/>
+          </a:p>
+          <a:p>
+            <a:endParaRPr lang="en-US" dirty="0"/>
+          </a:p>
+          <a:p>
+            <a:r>
+              <a:rPr lang="en-US" sz="1100" dirty="0"/>
+              <a:t>* username has been hidden</a:t>
+            </a:r>
+          </a:p>
+        </p:txBody>
+      </p:sp>
+    </p:spTree>
+    <p:extLst>
+      <p:ext uri="{BB962C8B-B14F-4D97-AF65-F5344CB8AC3E}">
+        <p14:creationId xmlns:p14="http://schemas.microsoft.com/office/powerpoint/2010/main" val="3135605808"/>
+      </p:ext>
+    </p:extLst>
+  </p:cSld>
+  <p:clrMapOvr>
+    <a:masterClrMapping/>
+  </p:clrMapOvr>
+</p:sld>
+</file>
+
 <file path=ppt/slides/slide2.xml><?xml version="1.0" encoding="utf-8"?>
 <p:sld xmlns:a="http://schemas.openxmlformats.org/drawingml/2006/main" xmlns:r="http://schemas.openxmlformats.org/officeDocument/2006/relationships" xmlns:p="http://schemas.openxmlformats.org/presentationml/2006/main">
   <p:cSld>
@@ -16853,7 +16904,9 @@
         </p:nvSpPr>
         <p:spPr/>
         <p:txBody>
-          <a:bodyPr/>
+          <a:bodyPr>
+            <a:normAutofit lnSpcReduction="10000"/>
+          </a:bodyPr>
           <a:lstStyle/>
           <a:p>
             <a:pPr>
@@ -16896,12 +16949,42 @@
             </a:r>
           </a:p>
           <a:p>
+            <a:pPr>
+              <a:buFont typeface="Courier New" panose="02070309020205020404" pitchFamily="49" charset="0"/>
+              <a:buChar char="o"/>
+            </a:pPr>
+            <a:r>
+              <a:rPr lang="en-US" dirty="0"/>
+              <a:t>PRAW Python Reddit API wrapper (</a:t>
+            </a:r>
+            <a:r>
+              <a:rPr lang="en-US" dirty="0">
+                <a:hlinkClick r:id="rId3"/>
+              </a:rPr>
+              <a:t>https://praw.readthedocs.io/en/latest</a:t>
+            </a:r>
+            <a:r>
+              <a:rPr lang="en-US" dirty="0"/>
+              <a:t>):</a:t>
+            </a:r>
+          </a:p>
+          <a:p>
             <a:pPr lvl="1">
               <a:buFont typeface="Wingdings" panose="05000000000000000000" pitchFamily="2" charset="2"/>
               <a:buChar char="§"/>
             </a:pPr>
             <a:r>
               <a:rPr lang="en-US" dirty="0"/>
+              <a:t>Only requires basic understanding of Reddit.com and Python</a:t>
+            </a:r>
+          </a:p>
+          <a:p>
+            <a:pPr lvl="1">
+              <a:buFont typeface="Wingdings" panose="05000000000000000000" pitchFamily="2" charset="2"/>
+              <a:buChar char="§"/>
+            </a:pPr>
+            <a:r>
+              <a:rPr lang="en-US" dirty="0"/>
               <a:t>Great documentation</a:t>
             </a:r>
           </a:p>
@@ -16912,17 +16995,7 @@
             </a:pPr>
             <a:r>
               <a:rPr lang="en-US" dirty="0"/>
-              <a:t>PRAW Python Reddit API wrapper (</a:t>
-            </a:r>
-            <a:r>
-              <a:rPr lang="en-US" dirty="0">
-                <a:hlinkClick r:id="rId3"/>
-              </a:rPr>
-              <a:t>https://praw.readthedocs.io/en/latest</a:t>
-            </a:r>
-            <a:r>
-              <a:rPr lang="en-US" dirty="0"/>
-              <a:t>):</a:t>
+              <a:t>Data cleansing/manipulation (helpers.py):</a:t>
             </a:r>
           </a:p>
           <a:p>
@@ -16932,7 +17005,7 @@
             </a:pPr>
             <a:r>
               <a:rPr lang="en-US" dirty="0"/>
-              <a:t>Only requires basic understanding of Reddit.com</a:t>
+              <a:t>Organized API requests in functions and loops</a:t>
             </a:r>
           </a:p>
           <a:p>
@@ -16940,7 +17013,10 @@
               <a:buFont typeface="Wingdings" panose="05000000000000000000" pitchFamily="2" charset="2"/>
               <a:buChar char="§"/>
             </a:pPr>
-            <a:endParaRPr lang="en-US" dirty="0"/>
+            <a:r>
+              <a:rPr lang="en-US" dirty="0"/>
+              <a:t>Try/Catch blocks to account for suspended/banned/deleted accounts</a:t>
+            </a:r>
           </a:p>
           <a:p>
             <a:pPr lvl="1">
@@ -16949,7 +17025,7 @@
             </a:pPr>
             <a:r>
               <a:rPr lang="en-US" dirty="0"/>
-              <a:t>Also great documentation</a:t>
+              <a:t>Removed newlines, page-breaks, non-alphanumeric characters, and extra spaces </a:t>
             </a:r>
           </a:p>
           <a:p>
@@ -16959,17 +17035,27 @@
             </a:pPr>
             <a:r>
               <a:rPr lang="en-US" dirty="0"/>
-              <a:t>Data cleansing:</a:t>
-            </a:r>
-          </a:p>
-          <a:p>
-            <a:pPr>
-              <a:buFont typeface="Courier New" panose="02070309020205020404" pitchFamily="49" charset="0"/>
-              <a:buChar char="o"/>
+              <a:t>Storage:</a:t>
+            </a:r>
+          </a:p>
+          <a:p>
+            <a:pPr lvl="1">
+              <a:buFont typeface="Wingdings" panose="05000000000000000000" pitchFamily="2" charset="2"/>
+              <a:buChar char="§"/>
             </a:pPr>
             <a:r>
               <a:rPr lang="en-US" dirty="0"/>
-              <a:t>Storage:</a:t>
+              <a:t>Only scraped a small fraction of each subreddit. </a:t>
+            </a:r>
+          </a:p>
+          <a:p>
+            <a:pPr lvl="1">
+              <a:buFont typeface="Wingdings" panose="05000000000000000000" pitchFamily="2" charset="2"/>
+              <a:buChar char="§"/>
+            </a:pPr>
+            <a:r>
+              <a:rPr lang="en-US" dirty="0"/>
+              <a:t>Stored the cleaned comments in csv files (user – comments)</a:t>
             </a:r>
           </a:p>
         </p:txBody>
@@ -17048,33 +17134,173 @@
             <p:ph idx="1"/>
           </p:nvPr>
         </p:nvSpPr>
-        <p:spPr/>
+        <p:spPr>
+          <a:xfrm>
+            <a:off x="1261872" y="1828800"/>
+            <a:ext cx="8595360" cy="4351337"/>
+          </a:xfrm>
+        </p:spPr>
         <p:txBody>
-          <a:bodyPr/>
+          <a:bodyPr>
+            <a:normAutofit fontScale="92500" lnSpcReduction="20000"/>
+          </a:bodyPr>
           <a:lstStyle/>
           <a:p>
+            <a:pPr>
+              <a:buFont typeface="Courier New" panose="02070309020205020404" pitchFamily="49" charset="0"/>
+              <a:buChar char="o"/>
+            </a:pPr>
             <a:r>
               <a:rPr lang="en-US" dirty="0"/>
-              <a:t>TFIDF</a:t>
-            </a:r>
-          </a:p>
-          <a:p>
+              <a:t>TF-IDF (Term frequency – Inverse document frequency):</a:t>
+            </a:r>
+          </a:p>
+          <a:p>
+            <a:pPr lvl="2">
+              <a:buFont typeface="Wingdings" panose="05000000000000000000" pitchFamily="2" charset="2"/>
+              <a:buChar char="§"/>
+            </a:pPr>
             <a:r>
               <a:rPr lang="en-US" dirty="0"/>
-              <a:t>Porter Stemmer</a:t>
-            </a:r>
-          </a:p>
-          <a:p>
+              <a:t>TF (Term frequency): Measures how frequently a term occurs in a document.</a:t>
+            </a:r>
+          </a:p>
+          <a:p>
+            <a:pPr lvl="3">
+              <a:buFont typeface="Wingdings" panose="05000000000000000000" pitchFamily="2" charset="2"/>
+              <a:buChar char="Ø"/>
+            </a:pPr>
             <a:r>
               <a:rPr lang="en-US" dirty="0"/>
-              <a:t>Remove stop-words</a:t>
-            </a:r>
-          </a:p>
-          <a:p>
+              <a:t>Increasing by the number of times a word appears in a document.</a:t>
+            </a:r>
+          </a:p>
+          <a:p>
+            <a:pPr lvl="2">
+              <a:buFont typeface="Wingdings" panose="05000000000000000000" pitchFamily="2" charset="2"/>
+              <a:buChar char="§"/>
+            </a:pPr>
             <a:r>
               <a:rPr lang="en-US" dirty="0"/>
-              <a:t>Cosine similarity</a:t>
-            </a:r>
+              <a:t>IDF (Inverse document frequency): Measures how import a term is. </a:t>
+            </a:r>
+          </a:p>
+          <a:p>
+            <a:pPr lvl="3">
+              <a:buFont typeface="Wingdings" panose="05000000000000000000" pitchFamily="2" charset="2"/>
+              <a:buChar char="Ø"/>
+            </a:pPr>
+            <a:r>
+              <a:rPr lang="en-US" dirty="0"/>
+              <a:t>Decreasing by the number of times a word appears in the entire corpus.</a:t>
+            </a:r>
+          </a:p>
+          <a:p>
+            <a:pPr>
+              <a:buFont typeface="Courier New" panose="02070309020205020404" pitchFamily="49" charset="0"/>
+              <a:buChar char="o"/>
+            </a:pPr>
+            <a:r>
+              <a:rPr lang="en-US" dirty="0"/>
+              <a:t>Porter stemming algorithm: </a:t>
+            </a:r>
+          </a:p>
+          <a:p>
+            <a:pPr lvl="1">
+              <a:buFont typeface="Wingdings" panose="05000000000000000000" pitchFamily="2" charset="2"/>
+              <a:buChar char="§"/>
+            </a:pPr>
+            <a:r>
+              <a:rPr lang="en-US" dirty="0"/>
+              <a:t>Reduces a word back to its word stem or root form.  </a:t>
+            </a:r>
+          </a:p>
+          <a:p>
+            <a:pPr lvl="1">
+              <a:buFont typeface="Wingdings" panose="05000000000000000000" pitchFamily="2" charset="2"/>
+              <a:buChar char="§"/>
+            </a:pPr>
+            <a:r>
+              <a:rPr lang="en-US" dirty="0"/>
+              <a:t>Improves performance in text analytics by categorizing various similar words. </a:t>
+            </a:r>
+          </a:p>
+          <a:p>
+            <a:pPr>
+              <a:buFont typeface="Courier New" panose="02070309020205020404" pitchFamily="49" charset="0"/>
+              <a:buChar char="o"/>
+            </a:pPr>
+            <a:r>
+              <a:rPr lang="en-US" dirty="0"/>
+              <a:t>Remove stop-words:</a:t>
+            </a:r>
+          </a:p>
+          <a:p>
+            <a:pPr lvl="1">
+              <a:buFont typeface="Wingdings" panose="05000000000000000000" pitchFamily="2" charset="2"/>
+              <a:buChar char="§"/>
+            </a:pPr>
+            <a:r>
+              <a:rPr lang="en-US" dirty="0"/>
+              <a:t>Filter out common words without any significant meaning (the, is, a, that, at, which…)</a:t>
+            </a:r>
+          </a:p>
+          <a:p>
+            <a:pPr lvl="1">
+              <a:buFont typeface="Wingdings" panose="05000000000000000000" pitchFamily="2" charset="2"/>
+              <a:buChar char="§"/>
+            </a:pPr>
+            <a:r>
+              <a:rPr lang="en-US" dirty="0"/>
+              <a:t>Combined 2 stop-words dictionaries for extra filters.</a:t>
+            </a:r>
+          </a:p>
+          <a:p>
+            <a:pPr>
+              <a:buFont typeface="Courier New" panose="02070309020205020404" pitchFamily="49" charset="0"/>
+              <a:buChar char="o"/>
+            </a:pPr>
+            <a:r>
+              <a:rPr lang="en-US" dirty="0"/>
+              <a:t>Cosine similarity:</a:t>
+            </a:r>
+          </a:p>
+          <a:p>
+            <a:pPr lvl="1">
+              <a:buFont typeface="Courier New" panose="02070309020205020404" pitchFamily="49" charset="0"/>
+              <a:buChar char="o"/>
+            </a:pPr>
+            <a:r>
+              <a:rPr lang="en-US" dirty="0"/>
+              <a:t>Measures the “distance” by finding the cosine angle between 2 vectors (documents)</a:t>
+            </a:r>
+          </a:p>
+          <a:p>
+            <a:pPr lvl="1">
+              <a:buFont typeface="Courier New" panose="02070309020205020404" pitchFamily="49" charset="0"/>
+              <a:buChar char="o"/>
+            </a:pPr>
+            <a:r>
+              <a:rPr lang="en-US" dirty="0"/>
+              <a:t>Catches the direction of the vectors better = semantic meaning</a:t>
+            </a:r>
+          </a:p>
+          <a:p>
+            <a:pPr lvl="1">
+              <a:buFont typeface="Courier New" panose="02070309020205020404" pitchFamily="49" charset="0"/>
+              <a:buChar char="o"/>
+            </a:pPr>
+            <a:r>
+              <a:rPr lang="en-US" dirty="0"/>
+              <a:t>Euclidean distance not as powerful for high dimensional data</a:t>
+            </a:r>
+          </a:p>
+          <a:p>
+            <a:pPr>
+              <a:buFont typeface="Courier New" panose="02070309020205020404" pitchFamily="49" charset="0"/>
+              <a:buChar char="o"/>
+            </a:pPr>
+            <a:endParaRPr lang="en-US" dirty="0"/>
           </a:p>
           <a:p>
             <a:endParaRPr lang="en-US" dirty="0"/>
